--- a/PocketRecipe©_V2.pptx
+++ b/PocketRecipe©_V2.pptx
@@ -1,6 +1,6 @@
 
 <file path=ppt/presentation.xml><?xml version="1.0" encoding="utf-8"?>
-<p:presentation xmlns:a="http://schemas.openxmlformats.org/drawingml/2006/main" xmlns:r="http://schemas.openxmlformats.org/officeDocument/2006/relationships" xmlns:p="http://schemas.openxmlformats.org/presentationml/2006/main" autoCompressPictures="0">
+<p:presentation xmlns:a="http://schemas.openxmlformats.org/drawingml/2006/main" xmlns:r="http://schemas.openxmlformats.org/officeDocument/2006/relationships" xmlns:p="http://schemas.openxmlformats.org/presentationml/2006/main" saveSubsetFonts="1" autoCompressPictures="0">
   <p:sldMasterIdLst>
     <p:sldMasterId id="2147483648" r:id="rId1"/>
   </p:sldMasterIdLst>
@@ -307,7 +307,7 @@
           <a:p>
             <a:fld id="{4AAD347D-5ACD-4C99-B74B-A9C85AD731AF}" type="datetimeFigureOut">
               <a:rPr lang="en-US" dirty="0"/>
-              <a:t>7/5/2017</a:t>
+              <a:t>7/5/17</a:t>
             </a:fld>
             <a:endParaRPr lang="en-US" dirty="0"/>
           </a:p>
@@ -577,7 +577,7 @@
           <a:p>
             <a:fld id="{4509A250-FF31-4206-8172-F9D3106AACB1}" type="datetimeFigureOut">
               <a:rPr lang="en-US" dirty="0"/>
-              <a:t>7/5/2017</a:t>
+              <a:t>7/5/17</a:t>
             </a:fld>
             <a:endParaRPr lang="en-US" dirty="0"/>
           </a:p>
@@ -766,7 +766,7 @@
           <a:p>
             <a:fld id="{4509A250-FF31-4206-8172-F9D3106AACB1}" type="datetimeFigureOut">
               <a:rPr lang="en-US" dirty="0"/>
-              <a:t>7/5/2017</a:t>
+              <a:t>7/5/17</a:t>
             </a:fld>
             <a:endParaRPr lang="en-US" dirty="0"/>
           </a:p>
@@ -1034,7 +1034,7 @@
           <a:p>
             <a:fld id="{4509A250-FF31-4206-8172-F9D3106AACB1}" type="datetimeFigureOut">
               <a:rPr lang="en-US" dirty="0"/>
-              <a:t>7/5/2017</a:t>
+              <a:t>7/5/17</a:t>
             </a:fld>
             <a:endParaRPr lang="en-US" dirty="0"/>
           </a:p>
@@ -1370,7 +1370,7 @@
           <a:p>
             <a:fld id="{4509A250-FF31-4206-8172-F9D3106AACB1}" type="datetimeFigureOut">
               <a:rPr lang="en-US" dirty="0"/>
-              <a:t>7/5/2017</a:t>
+              <a:t>7/5/17</a:t>
             </a:fld>
             <a:endParaRPr lang="en-US" dirty="0"/>
           </a:p>
@@ -1988,7 +1988,7 @@
           <a:p>
             <a:fld id="{4509A250-FF31-4206-8172-F9D3106AACB1}" type="datetimeFigureOut">
               <a:rPr lang="en-US" dirty="0"/>
-              <a:t>7/5/2017</a:t>
+              <a:t>7/5/17</a:t>
             </a:fld>
             <a:endParaRPr lang="en-US" dirty="0"/>
           </a:p>
@@ -2843,7 +2843,7 @@
           <a:p>
             <a:fld id="{4509A250-FF31-4206-8172-F9D3106AACB1}" type="datetimeFigureOut">
               <a:rPr lang="en-US" dirty="0"/>
-              <a:t>7/5/2017</a:t>
+              <a:t>7/5/17</a:t>
             </a:fld>
             <a:endParaRPr lang="en-US" dirty="0"/>
           </a:p>
@@ -3008,7 +3008,7 @@
           <a:p>
             <a:fld id="{4509A250-FF31-4206-8172-F9D3106AACB1}" type="datetimeFigureOut">
               <a:rPr lang="en-US" dirty="0"/>
-              <a:t>7/5/2017</a:t>
+              <a:t>7/5/17</a:t>
             </a:fld>
             <a:endParaRPr lang="en-US" dirty="0"/>
           </a:p>
@@ -3183,7 +3183,7 @@
           <a:p>
             <a:fld id="{4509A250-FF31-4206-8172-F9D3106AACB1}" type="datetimeFigureOut">
               <a:rPr lang="en-US" dirty="0"/>
-              <a:t>7/5/2017</a:t>
+              <a:t>7/5/17</a:t>
             </a:fld>
             <a:endParaRPr lang="en-US" dirty="0"/>
           </a:p>
@@ -3348,7 +3348,7 @@
           <a:p>
             <a:fld id="{4509A250-FF31-4206-8172-F9D3106AACB1}" type="datetimeFigureOut">
               <a:rPr lang="en-US" dirty="0"/>
-              <a:t>7/5/2017</a:t>
+              <a:t>7/5/17</a:t>
             </a:fld>
             <a:endParaRPr lang="en-US" dirty="0"/>
           </a:p>
@@ -3590,7 +3590,7 @@
           <a:p>
             <a:fld id="{9796027F-7875-4030-9381-8BD8C4F21935}" type="datetimeFigureOut">
               <a:rPr lang="en-US" dirty="0"/>
-              <a:t>7/5/2017</a:t>
+              <a:t>7/5/17</a:t>
             </a:fld>
             <a:endParaRPr lang="en-US" dirty="0"/>
           </a:p>
@@ -3877,7 +3877,7 @@
           <a:p>
             <a:fld id="{9796027F-7875-4030-9381-8BD8C4F21935}" type="datetimeFigureOut">
               <a:rPr lang="en-US" dirty="0"/>
-              <a:t>7/5/2017</a:t>
+              <a:t>7/5/17</a:t>
             </a:fld>
             <a:endParaRPr lang="en-US" dirty="0"/>
           </a:p>
@@ -4316,7 +4316,7 @@
           <a:p>
             <a:fld id="{9796027F-7875-4030-9381-8BD8C4F21935}" type="datetimeFigureOut">
               <a:rPr lang="en-US" dirty="0"/>
-              <a:t>7/5/2017</a:t>
+              <a:t>7/5/17</a:t>
             </a:fld>
             <a:endParaRPr lang="en-US" dirty="0"/>
           </a:p>
@@ -4429,7 +4429,7 @@
           <a:p>
             <a:fld id="{4509A250-FF31-4206-8172-F9D3106AACB1}" type="datetimeFigureOut">
               <a:rPr lang="en-US" dirty="0"/>
-              <a:t>7/5/2017</a:t>
+              <a:t>7/5/17</a:t>
             </a:fld>
             <a:endParaRPr lang="en-US" dirty="0"/>
           </a:p>
@@ -4519,7 +4519,7 @@
           <a:p>
             <a:fld id="{4509A250-FF31-4206-8172-F9D3106AACB1}" type="datetimeFigureOut">
               <a:rPr lang="en-US" dirty="0"/>
-              <a:t>7/5/2017</a:t>
+              <a:t>7/5/17</a:t>
             </a:fld>
             <a:endParaRPr lang="en-US" dirty="0"/>
           </a:p>
@@ -4793,7 +4793,7 @@
           <a:p>
             <a:fld id="{4509A250-FF31-4206-8172-F9D3106AACB1}" type="datetimeFigureOut">
               <a:rPr lang="en-US" dirty="0"/>
-              <a:t>7/5/2017</a:t>
+              <a:t>7/5/17</a:t>
             </a:fld>
             <a:endParaRPr lang="en-US" dirty="0"/>
           </a:p>
@@ -5063,7 +5063,7 @@
           <a:p>
             <a:fld id="{4509A250-FF31-4206-8172-F9D3106AACB1}" type="datetimeFigureOut">
               <a:rPr lang="en-US" dirty="0"/>
-              <a:t>7/5/2017</a:t>
+              <a:t>7/5/17</a:t>
             </a:fld>
             <a:endParaRPr lang="en-US" dirty="0"/>
           </a:p>
@@ -5487,7 +5487,7 @@
           <a:p>
             <a:fld id="{4AAD347D-5ACD-4C99-B74B-A9C85AD731AF}" type="datetimeFigureOut">
               <a:rPr lang="en-US" dirty="0"/>
-              <a:t>7/5/2017</a:t>
+              <a:t>7/5/17</a:t>
             </a:fld>
             <a:endParaRPr lang="en-US" dirty="0"/>
           </a:p>
@@ -6529,13 +6529,8 @@
           <a:p>
             <a:r>
               <a:rPr lang="nl-NL" dirty="0" smtClean="0"/>
-              <a:t>Ontwikkeld in Visual Studio met de Xamarin.forms </a:t>
-            </a:r>
-            <a:r>
-              <a:rPr lang="nl-NL" dirty="0" smtClean="0"/>
-              <a:t>framework &amp; WPF</a:t>
-            </a:r>
-            <a:endParaRPr lang="nl-NL" dirty="0" smtClean="0"/>
+              <a:t>Ontwikkeld in Visual Studio met de Xamarin.forms framework &amp; WPF</a:t>
+            </a:r>
           </a:p>
           <a:p>
             <a:endParaRPr lang="nl-NL" dirty="0"/>
@@ -7033,7 +7028,15 @@
           <a:p>
             <a:r>
               <a:rPr lang="nl-NL" dirty="0" smtClean="0"/>
-              <a:t>Satrya:</a:t>
+              <a:t>Satrya</a:t>
+            </a:r>
+            <a:r>
+              <a:rPr lang="nl-NL" dirty="0" smtClean="0"/>
+              <a:t>: Data van Database in de App verwerken, Recepten tonen, </a:t>
+            </a:r>
+            <a:r>
+              <a:rPr lang="nl-NL" dirty="0" err="1" smtClean="0"/>
+              <a:t>Bookmarken</a:t>
             </a:r>
             <a:endParaRPr lang="nl-NL" dirty="0"/>
           </a:p>

--- a/PocketRecipe©_V2.pptx
+++ b/PocketRecipe©_V2.pptx
@@ -349,7 +349,7 @@
           <a:p>
             <a:fld id="{D57F1E4F-1CFF-5643-939E-02111984F565}" type="slidenum">
               <a:rPr lang="en-US" dirty="0"/>
-              <a:t>‹#›</a:t>
+              <a:t>‹nr.›</a:t>
             </a:fld>
             <a:endParaRPr lang="en-US" dirty="0"/>
           </a:p>
@@ -619,7 +619,7 @@
           <a:p>
             <a:fld id="{D57F1E4F-1CFF-5643-939E-02111984F565}" type="slidenum">
               <a:rPr lang="en-US" dirty="0"/>
-              <a:t>‹#›</a:t>
+              <a:t>‹nr.›</a:t>
             </a:fld>
             <a:endParaRPr lang="en-US" dirty="0"/>
           </a:p>
@@ -808,7 +808,7 @@
           <a:p>
             <a:fld id="{D57F1E4F-1CFF-5643-939E-02111984F565}" type="slidenum">
               <a:rPr lang="en-US" dirty="0"/>
-              <a:t>‹#›</a:t>
+              <a:t>‹nr.›</a:t>
             </a:fld>
             <a:endParaRPr lang="en-US" dirty="0"/>
           </a:p>
@@ -1076,7 +1076,7 @@
           <a:p>
             <a:fld id="{D57F1E4F-1CFF-5643-939E-02111984F565}" type="slidenum">
               <a:rPr lang="en-US" dirty="0"/>
-              <a:t>‹#›</a:t>
+              <a:t>‹nr.›</a:t>
             </a:fld>
             <a:endParaRPr lang="en-US" dirty="0"/>
           </a:p>
@@ -1412,7 +1412,7 @@
           <a:p>
             <a:fld id="{D57F1E4F-1CFF-5643-939E-02111984F565}" type="slidenum">
               <a:rPr lang="en-US" dirty="0"/>
-              <a:t>‹#›</a:t>
+              <a:t>‹nr.›</a:t>
             </a:fld>
             <a:endParaRPr lang="en-US" dirty="0"/>
           </a:p>
@@ -2030,7 +2030,7 @@
           <a:p>
             <a:fld id="{D57F1E4F-1CFF-5643-939E-02111984F565}" type="slidenum">
               <a:rPr lang="en-US" dirty="0"/>
-              <a:t>‹#›</a:t>
+              <a:t>‹nr.›</a:t>
             </a:fld>
             <a:endParaRPr lang="en-US" dirty="0"/>
           </a:p>
@@ -2885,7 +2885,7 @@
           <a:p>
             <a:fld id="{D57F1E4F-1CFF-5643-939E-02111984F565}" type="slidenum">
               <a:rPr lang="en-US" dirty="0"/>
-              <a:t>‹#›</a:t>
+              <a:t>‹nr.›</a:t>
             </a:fld>
             <a:endParaRPr lang="en-US" dirty="0"/>
           </a:p>
@@ -3050,7 +3050,7 @@
           <a:p>
             <a:fld id="{D57F1E4F-1CFF-5643-939E-02111984F565}" type="slidenum">
               <a:rPr lang="en-US" dirty="0"/>
-              <a:t>‹#›</a:t>
+              <a:t>‹nr.›</a:t>
             </a:fld>
             <a:endParaRPr lang="en-US" dirty="0"/>
           </a:p>
@@ -3225,7 +3225,7 @@
           <a:p>
             <a:fld id="{D57F1E4F-1CFF-5643-939E-02111984F565}" type="slidenum">
               <a:rPr lang="en-US" dirty="0"/>
-              <a:t>‹#›</a:t>
+              <a:t>‹nr.›</a:t>
             </a:fld>
             <a:endParaRPr lang="en-US" dirty="0"/>
           </a:p>
@@ -3390,7 +3390,7 @@
           <a:p>
             <a:fld id="{D57F1E4F-1CFF-5643-939E-02111984F565}" type="slidenum">
               <a:rPr lang="en-US" dirty="0"/>
-              <a:t>‹#›</a:t>
+              <a:t>‹nr.›</a:t>
             </a:fld>
             <a:endParaRPr lang="en-US" dirty="0"/>
           </a:p>
@@ -3632,7 +3632,7 @@
           <a:p>
             <a:fld id="{D57F1E4F-1CFF-5643-939E-02111984F565}" type="slidenum">
               <a:rPr lang="en-US" dirty="0"/>
-              <a:t>‹#›</a:t>
+              <a:t>‹nr.›</a:t>
             </a:fld>
             <a:endParaRPr lang="en-US" dirty="0"/>
           </a:p>
@@ -3919,7 +3919,7 @@
           <a:p>
             <a:fld id="{D57F1E4F-1CFF-5643-939E-02111984F565}" type="slidenum">
               <a:rPr lang="en-US" dirty="0"/>
-              <a:t>‹#›</a:t>
+              <a:t>‹nr.›</a:t>
             </a:fld>
             <a:endParaRPr lang="en-US" dirty="0"/>
           </a:p>
@@ -4358,7 +4358,7 @@
           <a:p>
             <a:fld id="{D57F1E4F-1CFF-5643-939E-02111984F565}" type="slidenum">
               <a:rPr lang="en-US" dirty="0"/>
-              <a:t>‹#›</a:t>
+              <a:t>‹nr.›</a:t>
             </a:fld>
             <a:endParaRPr lang="en-US" dirty="0"/>
           </a:p>
@@ -4471,7 +4471,7 @@
           <a:p>
             <a:fld id="{D57F1E4F-1CFF-5643-939E-02111984F565}" type="slidenum">
               <a:rPr lang="en-US" dirty="0"/>
-              <a:t>‹#›</a:t>
+              <a:t>‹nr.›</a:t>
             </a:fld>
             <a:endParaRPr lang="en-US" dirty="0"/>
           </a:p>
@@ -4561,7 +4561,7 @@
           <a:p>
             <a:fld id="{D57F1E4F-1CFF-5643-939E-02111984F565}" type="slidenum">
               <a:rPr lang="en-US" dirty="0"/>
-              <a:t>‹#›</a:t>
+              <a:t>‹nr.›</a:t>
             </a:fld>
             <a:endParaRPr lang="en-US" dirty="0"/>
           </a:p>
@@ -4835,7 +4835,7 @@
           <a:p>
             <a:fld id="{D57F1E4F-1CFF-5643-939E-02111984F565}" type="slidenum">
               <a:rPr lang="en-US" dirty="0"/>
-              <a:t>‹#›</a:t>
+              <a:t>‹nr.›</a:t>
             </a:fld>
             <a:endParaRPr lang="en-US" dirty="0"/>
           </a:p>
@@ -5105,7 +5105,7 @@
           <a:p>
             <a:fld id="{D57F1E4F-1CFF-5643-939E-02111984F565}" type="slidenum">
               <a:rPr lang="en-US" dirty="0"/>
-              <a:t>‹#›</a:t>
+              <a:t>‹nr.›</a:t>
             </a:fld>
             <a:endParaRPr lang="en-US" dirty="0"/>
           </a:p>
@@ -5566,7 +5566,7 @@
           <a:p>
             <a:fld id="{D57F1E4F-1CFF-5643-939E-02111984F565}" type="slidenum">
               <a:rPr lang="en-US" dirty="0"/>
-              <a:t>‹#›</a:t>
+              <a:t>‹nr.›</a:t>
             </a:fld>
             <a:endParaRPr lang="en-US" dirty="0"/>
           </a:p>
@@ -6987,13 +6987,24 @@
         </p:nvSpPr>
         <p:spPr/>
         <p:txBody>
-          <a:bodyPr/>
+          <a:bodyPr>
+            <a:normAutofit fontScale="92500" lnSpcReduction="10000"/>
+          </a:bodyPr>
           <a:lstStyle/>
           <a:p>
             <a:r>
               <a:rPr lang="nl-NL" dirty="0" smtClean="0"/>
-              <a:t>Osman:</a:t>
-            </a:r>
+              <a:t>Osman</a:t>
+            </a:r>
+            <a:r>
+              <a:rPr lang="nl-NL" dirty="0" smtClean="0"/>
+              <a:t>: Database aanmaken en API ontwerpen. </a:t>
+            </a:r>
+            <a:r>
+              <a:rPr lang="nl-NL" dirty="0" smtClean="0"/>
+              <a:t>Zoekfunctie en beoordelingen implementeren in de app.</a:t>
+            </a:r>
+            <a:endParaRPr lang="nl-NL" dirty="0" smtClean="0"/>
           </a:p>
           <a:p>
             <a:endParaRPr lang="nl-NL" dirty="0"/>
@@ -7028,11 +7039,7 @@
           <a:p>
             <a:r>
               <a:rPr lang="nl-NL" dirty="0" smtClean="0"/>
-              <a:t>Satrya</a:t>
-            </a:r>
-            <a:r>
-              <a:rPr lang="nl-NL" dirty="0" smtClean="0"/>
-              <a:t>: Data van Database in de App verwerken, Recepten tonen, </a:t>
+              <a:t>Satrya: Data van Database in de App verwerken, Recepten tonen, </a:t>
             </a:r>
             <a:r>
               <a:rPr lang="nl-NL" dirty="0" err="1" smtClean="0"/>

--- a/PocketRecipe©_V2.pptx
+++ b/PocketRecipe©_V2.pptx
@@ -121,6 +121,10 @@
 </p:presentation>
 </file>
 
+<file path=ppt/revisionInfo.xml><?xml version="1.0" encoding="utf-8"?>
+<p1510:revInfo xmlns:a="http://schemas.openxmlformats.org/drawingml/2006/main" xmlns:r="http://schemas.openxmlformats.org/officeDocument/2006/relationships" xmlns:p1510="http://schemas.microsoft.com/office/powerpoint/2015/10/main"/>
+</file>
+
 <file path=ppt/slideLayouts/slideLayout1.xml><?xml version="1.0" encoding="utf-8"?>
 <p:sldLayout xmlns:a="http://schemas.openxmlformats.org/drawingml/2006/main" xmlns:r="http://schemas.openxmlformats.org/officeDocument/2006/relationships" xmlns:p="http://schemas.openxmlformats.org/presentationml/2006/main" type="title" preserve="1">
   <p:cSld name="Title Slide">
@@ -163,7 +167,7 @@
           </a:lstStyle>
           <a:p>
             <a:r>
-              <a:rPr lang="en-US" smtClean="0"/>
+              <a:rPr lang="en-US"/>
               <a:t>Click to edit Master title style</a:t>
             </a:r>
             <a:endParaRPr lang="en-US" dirty="0"/>
@@ -283,7 +287,7 @@
           </a:lstStyle>
           <a:p>
             <a:r>
-              <a:rPr lang="en-US" smtClean="0"/>
+              <a:rPr lang="en-US"/>
               <a:t>Click to edit Master subtitle style</a:t>
             </a:r>
             <a:endParaRPr lang="en-US" dirty="0"/>
@@ -307,7 +311,7 @@
           <a:p>
             <a:fld id="{4AAD347D-5ACD-4C99-B74B-A9C85AD731AF}" type="datetimeFigureOut">
               <a:rPr lang="en-US" dirty="0"/>
-              <a:t>7/5/17</a:t>
+              <a:t>05-Jul-17</a:t>
             </a:fld>
             <a:endParaRPr lang="en-US" dirty="0"/>
           </a:p>
@@ -349,7 +353,7 @@
           <a:p>
             <a:fld id="{D57F1E4F-1CFF-5643-939E-02111984F565}" type="slidenum">
               <a:rPr lang="en-US" dirty="0"/>
-              <a:t>‹nr.›</a:t>
+              <a:t>‹#›</a:t>
             </a:fld>
             <a:endParaRPr lang="en-US" dirty="0"/>
           </a:p>
@@ -407,7 +411,7 @@
           </a:lstStyle>
           <a:p>
             <a:r>
-              <a:rPr lang="en-US" smtClean="0"/>
+              <a:rPr lang="en-US"/>
               <a:t>Click to edit Master title style</a:t>
             </a:r>
             <a:endParaRPr lang="en-US" dirty="0"/>
@@ -486,7 +490,7 @@
           </a:lstStyle>
           <a:p>
             <a:r>
-              <a:rPr lang="en-US" smtClean="0"/>
+              <a:rPr lang="en-US"/>
               <a:t>Click icon to add picture</a:t>
             </a:r>
             <a:endParaRPr lang="en-US" dirty="0"/>
@@ -554,7 +558,7 @@
           <a:p>
             <a:pPr lvl="0"/>
             <a:r>
-              <a:rPr lang="en-US" smtClean="0"/>
+              <a:rPr lang="en-US"/>
               <a:t>Edit Master text styles</a:t>
             </a:r>
           </a:p>
@@ -577,7 +581,7 @@
           <a:p>
             <a:fld id="{4509A250-FF31-4206-8172-F9D3106AACB1}" type="datetimeFigureOut">
               <a:rPr lang="en-US" dirty="0"/>
-              <a:t>7/5/17</a:t>
+              <a:t>05-Jul-17</a:t>
             </a:fld>
             <a:endParaRPr lang="en-US" dirty="0"/>
           </a:p>
@@ -619,7 +623,7 @@
           <a:p>
             <a:fld id="{D57F1E4F-1CFF-5643-939E-02111984F565}" type="slidenum">
               <a:rPr lang="en-US" dirty="0"/>
-              <a:t>‹nr.›</a:t>
+              <a:t>‹#›</a:t>
             </a:fld>
             <a:endParaRPr lang="en-US" dirty="0"/>
           </a:p>
@@ -675,7 +679,7 @@
           </a:lstStyle>
           <a:p>
             <a:r>
-              <a:rPr lang="en-US" smtClean="0"/>
+              <a:rPr lang="en-US"/>
               <a:t>Click to edit Master title style</a:t>
             </a:r>
             <a:endParaRPr lang="en-US" dirty="0"/>
@@ -743,7 +747,7 @@
           <a:p>
             <a:pPr lvl="0"/>
             <a:r>
-              <a:rPr lang="en-US" smtClean="0"/>
+              <a:rPr lang="en-US"/>
               <a:t>Edit Master text styles</a:t>
             </a:r>
           </a:p>
@@ -766,7 +770,7 @@
           <a:p>
             <a:fld id="{4509A250-FF31-4206-8172-F9D3106AACB1}" type="datetimeFigureOut">
               <a:rPr lang="en-US" dirty="0"/>
-              <a:t>7/5/17</a:t>
+              <a:t>05-Jul-17</a:t>
             </a:fld>
             <a:endParaRPr lang="en-US" dirty="0"/>
           </a:p>
@@ -808,7 +812,7 @@
           <a:p>
             <a:fld id="{D57F1E4F-1CFF-5643-939E-02111984F565}" type="slidenum">
               <a:rPr lang="en-US" dirty="0"/>
-              <a:t>‹nr.›</a:t>
+              <a:t>‹#›</a:t>
             </a:fld>
             <a:endParaRPr lang="en-US" dirty="0"/>
           </a:p>
@@ -864,7 +868,7 @@
           </a:lstStyle>
           <a:p>
             <a:r>
-              <a:rPr lang="en-US" smtClean="0"/>
+              <a:rPr lang="en-US"/>
               <a:t>Click to edit Master title style</a:t>
             </a:r>
             <a:endParaRPr lang="en-US" dirty="0"/>
@@ -944,7 +948,7 @@
               <a:buNone/>
             </a:pPr>
             <a:r>
-              <a:rPr lang="en-US" smtClean="0"/>
+              <a:rPr lang="en-US"/>
               <a:t>Edit Master text styles</a:t>
             </a:r>
           </a:p>
@@ -1011,7 +1015,7 @@
           <a:p>
             <a:pPr lvl="0"/>
             <a:r>
-              <a:rPr lang="en-US" smtClean="0"/>
+              <a:rPr lang="en-US"/>
               <a:t>Edit Master text styles</a:t>
             </a:r>
           </a:p>
@@ -1034,7 +1038,7 @@
           <a:p>
             <a:fld id="{4509A250-FF31-4206-8172-F9D3106AACB1}" type="datetimeFigureOut">
               <a:rPr lang="en-US" dirty="0"/>
-              <a:t>7/5/17</a:t>
+              <a:t>05-Jul-17</a:t>
             </a:fld>
             <a:endParaRPr lang="en-US" dirty="0"/>
           </a:p>
@@ -1076,7 +1080,7 @@
           <a:p>
             <a:fld id="{D57F1E4F-1CFF-5643-939E-02111984F565}" type="slidenum">
               <a:rPr lang="en-US" dirty="0"/>
-              <a:t>‹nr.›</a:t>
+              <a:t>‹#›</a:t>
             </a:fld>
             <a:endParaRPr lang="en-US" dirty="0"/>
           </a:p>
@@ -1226,7 +1230,7 @@
           </a:lstStyle>
           <a:p>
             <a:r>
-              <a:rPr lang="en-US" smtClean="0"/>
+              <a:rPr lang="en-US"/>
               <a:t>Click to edit Master title style</a:t>
             </a:r>
             <a:endParaRPr lang="en-US" dirty="0"/>
@@ -1347,7 +1351,7 @@
           <a:p>
             <a:pPr lvl="0"/>
             <a:r>
-              <a:rPr lang="en-US" smtClean="0"/>
+              <a:rPr lang="en-US"/>
               <a:t>Edit Master text styles</a:t>
             </a:r>
           </a:p>
@@ -1370,7 +1374,7 @@
           <a:p>
             <a:fld id="{4509A250-FF31-4206-8172-F9D3106AACB1}" type="datetimeFigureOut">
               <a:rPr lang="en-US" dirty="0"/>
-              <a:t>7/5/17</a:t>
+              <a:t>05-Jul-17</a:t>
             </a:fld>
             <a:endParaRPr lang="en-US" dirty="0"/>
           </a:p>
@@ -1412,7 +1416,7 @@
           <a:p>
             <a:fld id="{D57F1E4F-1CFF-5643-939E-02111984F565}" type="slidenum">
               <a:rPr lang="en-US" dirty="0"/>
-              <a:t>‹nr.›</a:t>
+              <a:t>‹#›</a:t>
             </a:fld>
             <a:endParaRPr lang="en-US" dirty="0"/>
           </a:p>
@@ -1463,7 +1467,7 @@
           </a:lstStyle>
           <a:p>
             <a:r>
-              <a:rPr lang="en-US" smtClean="0"/>
+              <a:rPr lang="en-US"/>
               <a:t>Click to edit Master title style</a:t>
             </a:r>
             <a:endParaRPr lang="en-US" dirty="0"/>
@@ -1538,7 +1542,7 @@
           <a:p>
             <a:pPr lvl="0"/>
             <a:r>
-              <a:rPr lang="en-US" smtClean="0"/>
+              <a:rPr lang="en-US"/>
               <a:t>Edit Master text styles</a:t>
             </a:r>
           </a:p>
@@ -1605,7 +1609,7 @@
           <a:p>
             <a:pPr lvl="0"/>
             <a:r>
-              <a:rPr lang="en-US" smtClean="0"/>
+              <a:rPr lang="en-US"/>
               <a:t>Edit Master text styles</a:t>
             </a:r>
           </a:p>
@@ -1679,7 +1683,7 @@
           <a:p>
             <a:pPr lvl="0"/>
             <a:r>
-              <a:rPr lang="en-US" smtClean="0"/>
+              <a:rPr lang="en-US"/>
               <a:t>Edit Master text styles</a:t>
             </a:r>
           </a:p>
@@ -1746,7 +1750,7 @@
           <a:p>
             <a:pPr lvl="0"/>
             <a:r>
-              <a:rPr lang="en-US" smtClean="0"/>
+              <a:rPr lang="en-US"/>
               <a:t>Edit Master text styles</a:t>
             </a:r>
           </a:p>
@@ -1820,7 +1824,7 @@
           <a:p>
             <a:pPr lvl="0"/>
             <a:r>
-              <a:rPr lang="en-US" smtClean="0"/>
+              <a:rPr lang="en-US"/>
               <a:t>Edit Master text styles</a:t>
             </a:r>
           </a:p>
@@ -1887,7 +1891,7 @@
           <a:p>
             <a:pPr lvl="0"/>
             <a:r>
-              <a:rPr lang="en-US" smtClean="0"/>
+              <a:rPr lang="en-US"/>
               <a:t>Edit Master text styles</a:t>
             </a:r>
           </a:p>
@@ -1988,7 +1992,7 @@
           <a:p>
             <a:fld id="{4509A250-FF31-4206-8172-F9D3106AACB1}" type="datetimeFigureOut">
               <a:rPr lang="en-US" dirty="0"/>
-              <a:t>7/5/17</a:t>
+              <a:t>05-Jul-17</a:t>
             </a:fld>
             <a:endParaRPr lang="en-US" dirty="0"/>
           </a:p>
@@ -2030,7 +2034,7 @@
           <a:p>
             <a:fld id="{D57F1E4F-1CFF-5643-939E-02111984F565}" type="slidenum">
               <a:rPr lang="en-US" dirty="0"/>
-              <a:t>‹nr.›</a:t>
+              <a:t>‹#›</a:t>
             </a:fld>
             <a:endParaRPr lang="en-US" dirty="0"/>
           </a:p>
@@ -2081,7 +2085,7 @@
           </a:lstStyle>
           <a:p>
             <a:r>
-              <a:rPr lang="en-US" smtClean="0"/>
+              <a:rPr lang="en-US"/>
               <a:t>Click to edit Master title style</a:t>
             </a:r>
             <a:endParaRPr lang="en-US" dirty="0"/>
@@ -2156,7 +2160,7 @@
           <a:p>
             <a:pPr lvl="0"/>
             <a:r>
-              <a:rPr lang="en-US" smtClean="0"/>
+              <a:rPr lang="en-US"/>
               <a:t>Edit Master text styles</a:t>
             </a:r>
           </a:p>
@@ -2234,7 +2238,7 @@
           </a:lstStyle>
           <a:p>
             <a:r>
-              <a:rPr lang="en-US" smtClean="0"/>
+              <a:rPr lang="en-US"/>
               <a:t>Click icon to add picture</a:t>
             </a:r>
             <a:endParaRPr lang="en-US" dirty="0"/>
@@ -2302,7 +2306,7 @@
           <a:p>
             <a:pPr lvl="0"/>
             <a:r>
-              <a:rPr lang="en-US" smtClean="0"/>
+              <a:rPr lang="en-US"/>
               <a:t>Edit Master text styles</a:t>
             </a:r>
           </a:p>
@@ -2376,7 +2380,7 @@
           <a:p>
             <a:pPr lvl="0"/>
             <a:r>
-              <a:rPr lang="en-US" smtClean="0"/>
+              <a:rPr lang="en-US"/>
               <a:t>Edit Master text styles</a:t>
             </a:r>
           </a:p>
@@ -2454,7 +2458,7 @@
           </a:lstStyle>
           <a:p>
             <a:r>
-              <a:rPr lang="en-US" smtClean="0"/>
+              <a:rPr lang="en-US"/>
               <a:t>Click icon to add picture</a:t>
             </a:r>
             <a:endParaRPr lang="en-US" dirty="0"/>
@@ -2522,7 +2526,7 @@
           <a:p>
             <a:pPr lvl="0"/>
             <a:r>
-              <a:rPr lang="en-US" smtClean="0"/>
+              <a:rPr lang="en-US"/>
               <a:t>Edit Master text styles</a:t>
             </a:r>
           </a:p>
@@ -2596,7 +2600,7 @@
           <a:p>
             <a:pPr lvl="0"/>
             <a:r>
-              <a:rPr lang="en-US" smtClean="0"/>
+              <a:rPr lang="en-US"/>
               <a:t>Edit Master text styles</a:t>
             </a:r>
           </a:p>
@@ -2674,7 +2678,7 @@
           </a:lstStyle>
           <a:p>
             <a:r>
-              <a:rPr lang="en-US" smtClean="0"/>
+              <a:rPr lang="en-US"/>
               <a:t>Click icon to add picture</a:t>
             </a:r>
             <a:endParaRPr lang="en-US" dirty="0"/>
@@ -2742,7 +2746,7 @@
           <a:p>
             <a:pPr lvl="0"/>
             <a:r>
-              <a:rPr lang="en-US" smtClean="0"/>
+              <a:rPr lang="en-US"/>
               <a:t>Edit Master text styles</a:t>
             </a:r>
           </a:p>
@@ -2843,7 +2847,7 @@
           <a:p>
             <a:fld id="{4509A250-FF31-4206-8172-F9D3106AACB1}" type="datetimeFigureOut">
               <a:rPr lang="en-US" dirty="0"/>
-              <a:t>7/5/17</a:t>
+              <a:t>05-Jul-17</a:t>
             </a:fld>
             <a:endParaRPr lang="en-US" dirty="0"/>
           </a:p>
@@ -2885,7 +2889,7 @@
           <a:p>
             <a:fld id="{D57F1E4F-1CFF-5643-939E-02111984F565}" type="slidenum">
               <a:rPr lang="en-US" dirty="0"/>
-              <a:t>‹nr.›</a:t>
+              <a:t>‹#›</a:t>
             </a:fld>
             <a:endParaRPr lang="en-US" dirty="0"/>
           </a:p>
@@ -2932,7 +2936,7 @@
           <a:lstStyle/>
           <a:p>
             <a:r>
-              <a:rPr lang="en-US" smtClean="0"/>
+              <a:rPr lang="en-US"/>
               <a:t>Click to edit Master title style</a:t>
             </a:r>
             <a:endParaRPr lang="en-US" dirty="0"/>
@@ -2956,35 +2960,35 @@
           <a:p>
             <a:pPr lvl="0"/>
             <a:r>
-              <a:rPr lang="en-US" smtClean="0"/>
+              <a:rPr lang="en-US"/>
               <a:t>Edit Master text styles</a:t>
             </a:r>
           </a:p>
           <a:p>
             <a:pPr lvl="1"/>
             <a:r>
-              <a:rPr lang="en-US" smtClean="0"/>
+              <a:rPr lang="en-US"/>
               <a:t>Second level</a:t>
             </a:r>
           </a:p>
           <a:p>
             <a:pPr lvl="2"/>
             <a:r>
-              <a:rPr lang="en-US" smtClean="0"/>
+              <a:rPr lang="en-US"/>
               <a:t>Third level</a:t>
             </a:r>
           </a:p>
           <a:p>
             <a:pPr lvl="3"/>
             <a:r>
-              <a:rPr lang="en-US" smtClean="0"/>
+              <a:rPr lang="en-US"/>
               <a:t>Fourth level</a:t>
             </a:r>
           </a:p>
           <a:p>
             <a:pPr lvl="4"/>
             <a:r>
-              <a:rPr lang="en-US" smtClean="0"/>
+              <a:rPr lang="en-US"/>
               <a:t>Fifth level</a:t>
             </a:r>
             <a:endParaRPr lang="en-US" dirty="0"/>
@@ -3008,7 +3012,7 @@
           <a:p>
             <a:fld id="{4509A250-FF31-4206-8172-F9D3106AACB1}" type="datetimeFigureOut">
               <a:rPr lang="en-US" dirty="0"/>
-              <a:t>7/5/17</a:t>
+              <a:t>05-Jul-17</a:t>
             </a:fld>
             <a:endParaRPr lang="en-US" dirty="0"/>
           </a:p>
@@ -3050,7 +3054,7 @@
           <a:p>
             <a:fld id="{D57F1E4F-1CFF-5643-939E-02111984F565}" type="slidenum">
               <a:rPr lang="en-US" dirty="0"/>
-              <a:t>‹nr.›</a:t>
+              <a:t>‹#›</a:t>
             </a:fld>
             <a:endParaRPr lang="en-US" dirty="0"/>
           </a:p>
@@ -3102,7 +3106,7 @@
           <a:lstStyle/>
           <a:p>
             <a:r>
-              <a:rPr lang="en-US" smtClean="0"/>
+              <a:rPr lang="en-US"/>
               <a:t>Click to edit Master title style</a:t>
             </a:r>
             <a:endParaRPr lang="en-US" dirty="0"/>
@@ -3131,35 +3135,35 @@
           <a:p>
             <a:pPr lvl="0"/>
             <a:r>
-              <a:rPr lang="en-US" smtClean="0"/>
+              <a:rPr lang="en-US"/>
               <a:t>Edit Master text styles</a:t>
             </a:r>
           </a:p>
           <a:p>
             <a:pPr lvl="1"/>
             <a:r>
-              <a:rPr lang="en-US" smtClean="0"/>
+              <a:rPr lang="en-US"/>
               <a:t>Second level</a:t>
             </a:r>
           </a:p>
           <a:p>
             <a:pPr lvl="2"/>
             <a:r>
-              <a:rPr lang="en-US" smtClean="0"/>
+              <a:rPr lang="en-US"/>
               <a:t>Third level</a:t>
             </a:r>
           </a:p>
           <a:p>
             <a:pPr lvl="3"/>
             <a:r>
-              <a:rPr lang="en-US" smtClean="0"/>
+              <a:rPr lang="en-US"/>
               <a:t>Fourth level</a:t>
             </a:r>
           </a:p>
           <a:p>
             <a:pPr lvl="4"/>
             <a:r>
-              <a:rPr lang="en-US" smtClean="0"/>
+              <a:rPr lang="en-US"/>
               <a:t>Fifth level</a:t>
             </a:r>
             <a:endParaRPr lang="en-US" dirty="0"/>
@@ -3183,7 +3187,7 @@
           <a:p>
             <a:fld id="{4509A250-FF31-4206-8172-F9D3106AACB1}" type="datetimeFigureOut">
               <a:rPr lang="en-US" dirty="0"/>
-              <a:t>7/5/17</a:t>
+              <a:t>05-Jul-17</a:t>
             </a:fld>
             <a:endParaRPr lang="en-US" dirty="0"/>
           </a:p>
@@ -3225,7 +3229,7 @@
           <a:p>
             <a:fld id="{D57F1E4F-1CFF-5643-939E-02111984F565}" type="slidenum">
               <a:rPr lang="en-US" dirty="0"/>
-              <a:t>‹nr.›</a:t>
+              <a:t>‹#›</a:t>
             </a:fld>
             <a:endParaRPr lang="en-US" dirty="0"/>
           </a:p>
@@ -3272,7 +3276,7 @@
           <a:lstStyle/>
           <a:p>
             <a:r>
-              <a:rPr lang="en-US" smtClean="0"/>
+              <a:rPr lang="en-US"/>
               <a:t>Click to edit Master title style</a:t>
             </a:r>
             <a:endParaRPr lang="en-US" dirty="0"/>
@@ -3296,35 +3300,35 @@
           <a:p>
             <a:pPr lvl="0"/>
             <a:r>
-              <a:rPr lang="en-US" smtClean="0"/>
+              <a:rPr lang="en-US"/>
               <a:t>Edit Master text styles</a:t>
             </a:r>
           </a:p>
           <a:p>
             <a:pPr lvl="1"/>
             <a:r>
-              <a:rPr lang="en-US" smtClean="0"/>
+              <a:rPr lang="en-US"/>
               <a:t>Second level</a:t>
             </a:r>
           </a:p>
           <a:p>
             <a:pPr lvl="2"/>
             <a:r>
-              <a:rPr lang="en-US" smtClean="0"/>
+              <a:rPr lang="en-US"/>
               <a:t>Third level</a:t>
             </a:r>
           </a:p>
           <a:p>
             <a:pPr lvl="3"/>
             <a:r>
-              <a:rPr lang="en-US" smtClean="0"/>
+              <a:rPr lang="en-US"/>
               <a:t>Fourth level</a:t>
             </a:r>
           </a:p>
           <a:p>
             <a:pPr lvl="4"/>
             <a:r>
-              <a:rPr lang="en-US" smtClean="0"/>
+              <a:rPr lang="en-US"/>
               <a:t>Fifth level</a:t>
             </a:r>
             <a:endParaRPr lang="en-US" dirty="0"/>
@@ -3348,7 +3352,7 @@
           <a:p>
             <a:fld id="{4509A250-FF31-4206-8172-F9D3106AACB1}" type="datetimeFigureOut">
               <a:rPr lang="en-US" dirty="0"/>
-              <a:t>7/5/17</a:t>
+              <a:t>05-Jul-17</a:t>
             </a:fld>
             <a:endParaRPr lang="en-US" dirty="0"/>
           </a:p>
@@ -3390,7 +3394,7 @@
           <a:p>
             <a:fld id="{D57F1E4F-1CFF-5643-939E-02111984F565}" type="slidenum">
               <a:rPr lang="en-US" dirty="0"/>
-              <a:t>‹nr.›</a:t>
+              <a:t>‹#›</a:t>
             </a:fld>
             <a:endParaRPr lang="en-US" dirty="0"/>
           </a:p>
@@ -3446,7 +3450,7 @@
           </a:lstStyle>
           <a:p>
             <a:r>
-              <a:rPr lang="en-US" smtClean="0"/>
+              <a:rPr lang="en-US"/>
               <a:t>Click to edit Master title style</a:t>
             </a:r>
             <a:endParaRPr lang="en-US" dirty="0"/>
@@ -3567,7 +3571,7 @@
           <a:p>
             <a:pPr lvl="0"/>
             <a:r>
-              <a:rPr lang="en-US" smtClean="0"/>
+              <a:rPr lang="en-US"/>
               <a:t>Edit Master text styles</a:t>
             </a:r>
           </a:p>
@@ -3590,7 +3594,7 @@
           <a:p>
             <a:fld id="{9796027F-7875-4030-9381-8BD8C4F21935}" type="datetimeFigureOut">
               <a:rPr lang="en-US" dirty="0"/>
-              <a:t>7/5/17</a:t>
+              <a:t>05-Jul-17</a:t>
             </a:fld>
             <a:endParaRPr lang="en-US" dirty="0"/>
           </a:p>
@@ -3632,7 +3636,7 @@
           <a:p>
             <a:fld id="{D57F1E4F-1CFF-5643-939E-02111984F565}" type="slidenum">
               <a:rPr lang="en-US" dirty="0"/>
-              <a:t>‹nr.›</a:t>
+              <a:t>‹#›</a:t>
             </a:fld>
             <a:endParaRPr lang="en-US" dirty="0"/>
           </a:p>
@@ -3679,7 +3683,7 @@
           <a:lstStyle/>
           <a:p>
             <a:r>
-              <a:rPr lang="en-US" smtClean="0"/>
+              <a:rPr lang="en-US"/>
               <a:t>Click to edit Master title style</a:t>
             </a:r>
             <a:endParaRPr lang="en-US" dirty="0"/>
@@ -3738,35 +3742,35 @@
           <a:p>
             <a:pPr lvl="0"/>
             <a:r>
-              <a:rPr lang="en-US" smtClean="0"/>
+              <a:rPr lang="en-US"/>
               <a:t>Edit Master text styles</a:t>
             </a:r>
           </a:p>
           <a:p>
             <a:pPr lvl="1"/>
             <a:r>
-              <a:rPr lang="en-US" smtClean="0"/>
+              <a:rPr lang="en-US"/>
               <a:t>Second level</a:t>
             </a:r>
           </a:p>
           <a:p>
             <a:pPr lvl="2"/>
             <a:r>
-              <a:rPr lang="en-US" smtClean="0"/>
+              <a:rPr lang="en-US"/>
               <a:t>Third level</a:t>
             </a:r>
           </a:p>
           <a:p>
             <a:pPr lvl="3"/>
             <a:r>
-              <a:rPr lang="en-US" smtClean="0"/>
+              <a:rPr lang="en-US"/>
               <a:t>Fourth level</a:t>
             </a:r>
           </a:p>
           <a:p>
             <a:pPr lvl="4"/>
             <a:r>
-              <a:rPr lang="en-US" smtClean="0"/>
+              <a:rPr lang="en-US"/>
               <a:t>Fifth level</a:t>
             </a:r>
             <a:endParaRPr lang="en-US" dirty="0"/>
@@ -3825,35 +3829,35 @@
           <a:p>
             <a:pPr lvl="0"/>
             <a:r>
-              <a:rPr lang="en-US" smtClean="0"/>
+              <a:rPr lang="en-US"/>
               <a:t>Edit Master text styles</a:t>
             </a:r>
           </a:p>
           <a:p>
             <a:pPr lvl="1"/>
             <a:r>
-              <a:rPr lang="en-US" smtClean="0"/>
+              <a:rPr lang="en-US"/>
               <a:t>Second level</a:t>
             </a:r>
           </a:p>
           <a:p>
             <a:pPr lvl="2"/>
             <a:r>
-              <a:rPr lang="en-US" smtClean="0"/>
+              <a:rPr lang="en-US"/>
               <a:t>Third level</a:t>
             </a:r>
           </a:p>
           <a:p>
             <a:pPr lvl="3"/>
             <a:r>
-              <a:rPr lang="en-US" smtClean="0"/>
+              <a:rPr lang="en-US"/>
               <a:t>Fourth level</a:t>
             </a:r>
           </a:p>
           <a:p>
             <a:pPr lvl="4"/>
             <a:r>
-              <a:rPr lang="en-US" smtClean="0"/>
+              <a:rPr lang="en-US"/>
               <a:t>Fifth level</a:t>
             </a:r>
             <a:endParaRPr lang="en-US" dirty="0"/>
@@ -3877,7 +3881,7 @@
           <a:p>
             <a:fld id="{9796027F-7875-4030-9381-8BD8C4F21935}" type="datetimeFigureOut">
               <a:rPr lang="en-US" dirty="0"/>
-              <a:t>7/5/17</a:t>
+              <a:t>05-Jul-17</a:t>
             </a:fld>
             <a:endParaRPr lang="en-US" dirty="0"/>
           </a:p>
@@ -3919,7 +3923,7 @@
           <a:p>
             <a:fld id="{D57F1E4F-1CFF-5643-939E-02111984F565}" type="slidenum">
               <a:rPr lang="en-US" dirty="0"/>
-              <a:t>‹nr.›</a:t>
+              <a:t>‹#›</a:t>
             </a:fld>
             <a:endParaRPr lang="en-US" dirty="0"/>
           </a:p>
@@ -3970,7 +3974,7 @@
           </a:lstStyle>
           <a:p>
             <a:r>
-              <a:rPr lang="en-US" smtClean="0"/>
+              <a:rPr lang="en-US"/>
               <a:t>Click to edit Master title style</a:t>
             </a:r>
             <a:endParaRPr lang="en-US" dirty="0"/>
@@ -4045,7 +4049,7 @@
           <a:p>
             <a:pPr lvl="0"/>
             <a:r>
-              <a:rPr lang="en-US" smtClean="0"/>
+              <a:rPr lang="en-US"/>
               <a:t>Edit Master text styles</a:t>
             </a:r>
           </a:p>
@@ -4103,35 +4107,35 @@
           <a:p>
             <a:pPr lvl="0"/>
             <a:r>
-              <a:rPr lang="en-US" smtClean="0"/>
+              <a:rPr lang="en-US"/>
               <a:t>Edit Master text styles</a:t>
             </a:r>
           </a:p>
           <a:p>
             <a:pPr lvl="1"/>
             <a:r>
-              <a:rPr lang="en-US" smtClean="0"/>
+              <a:rPr lang="en-US"/>
               <a:t>Second level</a:t>
             </a:r>
           </a:p>
           <a:p>
             <a:pPr lvl="2"/>
             <a:r>
-              <a:rPr lang="en-US" smtClean="0"/>
+              <a:rPr lang="en-US"/>
               <a:t>Third level</a:t>
             </a:r>
           </a:p>
           <a:p>
             <a:pPr lvl="3"/>
             <a:r>
-              <a:rPr lang="en-US" smtClean="0"/>
+              <a:rPr lang="en-US"/>
               <a:t>Fourth level</a:t>
             </a:r>
           </a:p>
           <a:p>
             <a:pPr lvl="4"/>
             <a:r>
-              <a:rPr lang="en-US" smtClean="0"/>
+              <a:rPr lang="en-US"/>
               <a:t>Fifth level</a:t>
             </a:r>
             <a:endParaRPr lang="en-US" dirty="0"/>
@@ -4206,7 +4210,7 @@
           <a:p>
             <a:pPr lvl="0"/>
             <a:r>
-              <a:rPr lang="en-US" smtClean="0"/>
+              <a:rPr lang="en-US"/>
               <a:t>Edit Master text styles</a:t>
             </a:r>
           </a:p>
@@ -4264,35 +4268,35 @@
           <a:p>
             <a:pPr lvl="0"/>
             <a:r>
-              <a:rPr lang="en-US" smtClean="0"/>
+              <a:rPr lang="en-US"/>
               <a:t>Edit Master text styles</a:t>
             </a:r>
           </a:p>
           <a:p>
             <a:pPr lvl="1"/>
             <a:r>
-              <a:rPr lang="en-US" smtClean="0"/>
+              <a:rPr lang="en-US"/>
               <a:t>Second level</a:t>
             </a:r>
           </a:p>
           <a:p>
             <a:pPr lvl="2"/>
             <a:r>
-              <a:rPr lang="en-US" smtClean="0"/>
+              <a:rPr lang="en-US"/>
               <a:t>Third level</a:t>
             </a:r>
           </a:p>
           <a:p>
             <a:pPr lvl="3"/>
             <a:r>
-              <a:rPr lang="en-US" smtClean="0"/>
+              <a:rPr lang="en-US"/>
               <a:t>Fourth level</a:t>
             </a:r>
           </a:p>
           <a:p>
             <a:pPr lvl="4"/>
             <a:r>
-              <a:rPr lang="en-US" smtClean="0"/>
+              <a:rPr lang="en-US"/>
               <a:t>Fifth level</a:t>
             </a:r>
             <a:endParaRPr lang="en-US" dirty="0"/>
@@ -4316,7 +4320,7 @@
           <a:p>
             <a:fld id="{9796027F-7875-4030-9381-8BD8C4F21935}" type="datetimeFigureOut">
               <a:rPr lang="en-US" dirty="0"/>
-              <a:t>7/5/17</a:t>
+              <a:t>05-Jul-17</a:t>
             </a:fld>
             <a:endParaRPr lang="en-US" dirty="0"/>
           </a:p>
@@ -4358,7 +4362,7 @@
           <a:p>
             <a:fld id="{D57F1E4F-1CFF-5643-939E-02111984F565}" type="slidenum">
               <a:rPr lang="en-US" dirty="0"/>
-              <a:t>‹nr.›</a:t>
+              <a:t>‹#›</a:t>
             </a:fld>
             <a:endParaRPr lang="en-US" dirty="0"/>
           </a:p>
@@ -4405,7 +4409,7 @@
           <a:lstStyle/>
           <a:p>
             <a:r>
-              <a:rPr lang="en-US" smtClean="0"/>
+              <a:rPr lang="en-US"/>
               <a:t>Click to edit Master title style</a:t>
             </a:r>
             <a:endParaRPr lang="en-US" dirty="0"/>
@@ -4429,7 +4433,7 @@
           <a:p>
             <a:fld id="{4509A250-FF31-4206-8172-F9D3106AACB1}" type="datetimeFigureOut">
               <a:rPr lang="en-US" dirty="0"/>
-              <a:t>7/5/17</a:t>
+              <a:t>05-Jul-17</a:t>
             </a:fld>
             <a:endParaRPr lang="en-US" dirty="0"/>
           </a:p>
@@ -4471,7 +4475,7 @@
           <a:p>
             <a:fld id="{D57F1E4F-1CFF-5643-939E-02111984F565}" type="slidenum">
               <a:rPr lang="en-US" dirty="0"/>
-              <a:t>‹nr.›</a:t>
+              <a:t>‹#›</a:t>
             </a:fld>
             <a:endParaRPr lang="en-US" dirty="0"/>
           </a:p>
@@ -4519,7 +4523,7 @@
           <a:p>
             <a:fld id="{4509A250-FF31-4206-8172-F9D3106AACB1}" type="datetimeFigureOut">
               <a:rPr lang="en-US" dirty="0"/>
-              <a:t>7/5/17</a:t>
+              <a:t>05-Jul-17</a:t>
             </a:fld>
             <a:endParaRPr lang="en-US" dirty="0"/>
           </a:p>
@@ -4561,7 +4565,7 @@
           <a:p>
             <a:fld id="{D57F1E4F-1CFF-5643-939E-02111984F565}" type="slidenum">
               <a:rPr lang="en-US" dirty="0"/>
-              <a:t>‹nr.›</a:t>
+              <a:t>‹#›</a:t>
             </a:fld>
             <a:endParaRPr lang="en-US" dirty="0"/>
           </a:p>
@@ -4617,7 +4621,7 @@
           </a:lstStyle>
           <a:p>
             <a:r>
-              <a:rPr lang="en-US" smtClean="0"/>
+              <a:rPr lang="en-US"/>
               <a:t>Click to edit Master title style</a:t>
             </a:r>
             <a:endParaRPr lang="en-US" dirty="0"/>
@@ -4676,35 +4680,35 @@
           <a:p>
             <a:pPr lvl="0"/>
             <a:r>
-              <a:rPr lang="en-US" smtClean="0"/>
+              <a:rPr lang="en-US"/>
               <a:t>Edit Master text styles</a:t>
             </a:r>
           </a:p>
           <a:p>
             <a:pPr lvl="1"/>
             <a:r>
-              <a:rPr lang="en-US" smtClean="0"/>
+              <a:rPr lang="en-US"/>
               <a:t>Second level</a:t>
             </a:r>
           </a:p>
           <a:p>
             <a:pPr lvl="2"/>
             <a:r>
-              <a:rPr lang="en-US" smtClean="0"/>
+              <a:rPr lang="en-US"/>
               <a:t>Third level</a:t>
             </a:r>
           </a:p>
           <a:p>
             <a:pPr lvl="3"/>
             <a:r>
-              <a:rPr lang="en-US" smtClean="0"/>
+              <a:rPr lang="en-US"/>
               <a:t>Fourth level</a:t>
             </a:r>
           </a:p>
           <a:p>
             <a:pPr lvl="4"/>
             <a:r>
-              <a:rPr lang="en-US" smtClean="0"/>
+              <a:rPr lang="en-US"/>
               <a:t>Fifth level</a:t>
             </a:r>
             <a:endParaRPr lang="en-US" dirty="0"/>
@@ -4770,7 +4774,7 @@
           <a:p>
             <a:pPr lvl="0"/>
             <a:r>
-              <a:rPr lang="en-US" smtClean="0"/>
+              <a:rPr lang="en-US"/>
               <a:t>Edit Master text styles</a:t>
             </a:r>
           </a:p>
@@ -4793,7 +4797,7 @@
           <a:p>
             <a:fld id="{4509A250-FF31-4206-8172-F9D3106AACB1}" type="datetimeFigureOut">
               <a:rPr lang="en-US" dirty="0"/>
-              <a:t>7/5/17</a:t>
+              <a:t>05-Jul-17</a:t>
             </a:fld>
             <a:endParaRPr lang="en-US" dirty="0"/>
           </a:p>
@@ -4835,7 +4839,7 @@
           <a:p>
             <a:fld id="{D57F1E4F-1CFF-5643-939E-02111984F565}" type="slidenum">
               <a:rPr lang="en-US" dirty="0"/>
-              <a:t>‹nr.›</a:t>
+              <a:t>‹#›</a:t>
             </a:fld>
             <a:endParaRPr lang="en-US" dirty="0"/>
           </a:p>
@@ -4893,7 +4897,7 @@
           </a:lstStyle>
           <a:p>
             <a:r>
-              <a:rPr lang="en-US" smtClean="0"/>
+              <a:rPr lang="en-US"/>
               <a:t>Click to edit Master title style</a:t>
             </a:r>
             <a:endParaRPr lang="en-US" dirty="0"/>
@@ -4972,7 +4976,7 @@
           </a:lstStyle>
           <a:p>
             <a:r>
-              <a:rPr lang="en-US" smtClean="0"/>
+              <a:rPr lang="en-US"/>
               <a:t>Click icon to add picture</a:t>
             </a:r>
             <a:endParaRPr lang="en-US" dirty="0"/>
@@ -5040,7 +5044,7 @@
           <a:p>
             <a:pPr lvl="0"/>
             <a:r>
-              <a:rPr lang="en-US" smtClean="0"/>
+              <a:rPr lang="en-US"/>
               <a:t>Edit Master text styles</a:t>
             </a:r>
           </a:p>
@@ -5063,7 +5067,7 @@
           <a:p>
             <a:fld id="{4509A250-FF31-4206-8172-F9D3106AACB1}" type="datetimeFigureOut">
               <a:rPr lang="en-US" dirty="0"/>
-              <a:t>7/5/17</a:t>
+              <a:t>05-Jul-17</a:t>
             </a:fld>
             <a:endParaRPr lang="en-US" dirty="0"/>
           </a:p>
@@ -5105,7 +5109,7 @@
           <a:p>
             <a:fld id="{D57F1E4F-1CFF-5643-939E-02111984F565}" type="slidenum">
               <a:rPr lang="en-US" dirty="0"/>
-              <a:t>‹nr.›</a:t>
+              <a:t>‹#›</a:t>
             </a:fld>
             <a:endParaRPr lang="en-US" dirty="0"/>
           </a:p>
@@ -5382,7 +5386,7 @@
           <a:lstStyle/>
           <a:p>
             <a:r>
-              <a:rPr lang="en-US" smtClean="0"/>
+              <a:rPr lang="en-US"/>
               <a:t>Click to edit Master title style</a:t>
             </a:r>
             <a:endParaRPr lang="en-US" dirty="0"/>
@@ -5416,35 +5420,35 @@
           <a:p>
             <a:pPr lvl="0"/>
             <a:r>
-              <a:rPr lang="en-US" smtClean="0"/>
+              <a:rPr lang="en-US"/>
               <a:t>Edit Master text styles</a:t>
             </a:r>
           </a:p>
           <a:p>
             <a:pPr lvl="1"/>
             <a:r>
-              <a:rPr lang="en-US" smtClean="0"/>
+              <a:rPr lang="en-US"/>
               <a:t>Second level</a:t>
             </a:r>
           </a:p>
           <a:p>
             <a:pPr lvl="2"/>
             <a:r>
-              <a:rPr lang="en-US" smtClean="0"/>
+              <a:rPr lang="en-US"/>
               <a:t>Third level</a:t>
             </a:r>
           </a:p>
           <a:p>
             <a:pPr lvl="3"/>
             <a:r>
-              <a:rPr lang="en-US" smtClean="0"/>
+              <a:rPr lang="en-US"/>
               <a:t>Fourth level</a:t>
             </a:r>
           </a:p>
           <a:p>
             <a:pPr lvl="4"/>
             <a:r>
-              <a:rPr lang="en-US" smtClean="0"/>
+              <a:rPr lang="en-US"/>
               <a:t>Fifth level</a:t>
             </a:r>
             <a:endParaRPr lang="en-US" dirty="0"/>
@@ -5487,7 +5491,7 @@
           <a:p>
             <a:fld id="{4AAD347D-5ACD-4C99-B74B-A9C85AD731AF}" type="datetimeFigureOut">
               <a:rPr lang="en-US" dirty="0"/>
-              <a:t>7/5/17</a:t>
+              <a:t>05-Jul-17</a:t>
             </a:fld>
             <a:endParaRPr lang="en-US" dirty="0"/>
           </a:p>
@@ -5566,7 +5570,7 @@
           <a:p>
             <a:fld id="{D57F1E4F-1CFF-5643-939E-02111984F565}" type="slidenum">
               <a:rPr lang="en-US" dirty="0"/>
-              <a:t>‹nr.›</a:t>
+              <a:t>‹#›</a:t>
             </a:fld>
             <a:endParaRPr lang="en-US" dirty="0"/>
           </a:p>
@@ -6032,19 +6036,15 @@
           <a:lstStyle/>
           <a:p>
             <a:r>
-              <a:rPr lang="nl-NL" dirty="0" smtClean="0"/>
+              <a:rPr lang="nl-NL" dirty="0"/>
               <a:t>PocketRecipe</a:t>
             </a:r>
             <a:r>
-              <a:rPr lang="nl-NL" sz="1200" dirty="0" smtClean="0"/>
+              <a:rPr lang="nl-NL" sz="1200" dirty="0"/>
               <a:t>©</a:t>
             </a:r>
-            <a:r>
-              <a:rPr lang="nl-NL" dirty="0" smtClean="0"/>
-              <a:t/>
-            </a:r>
             <a:br>
-              <a:rPr lang="nl-NL" dirty="0" smtClean="0"/>
+              <a:rPr lang="nl-NL" dirty="0"/>
             </a:br>
             <a:endParaRPr lang="nl-NL" dirty="0"/>
           </a:p>
@@ -6073,37 +6073,37 @@
           <a:lstStyle/>
           <a:p>
             <a:r>
-              <a:rPr lang="nl-NL" dirty="0" smtClean="0"/>
+              <a:rPr lang="nl-NL" dirty="0"/>
               <a:t>Made by:</a:t>
             </a:r>
           </a:p>
           <a:p>
             <a:r>
-              <a:rPr lang="nl-NL" dirty="0" smtClean="0"/>
+              <a:rPr lang="nl-NL" dirty="0"/>
               <a:t>Osman Altun</a:t>
             </a:r>
           </a:p>
           <a:p>
             <a:r>
-              <a:rPr lang="nl-NL" dirty="0" smtClean="0"/>
+              <a:rPr lang="nl-NL" dirty="0"/>
               <a:t>Endy Hu</a:t>
             </a:r>
           </a:p>
           <a:p>
             <a:r>
-              <a:rPr lang="nl-NL" dirty="0" smtClean="0"/>
+              <a:rPr lang="nl-NL" dirty="0"/>
               <a:t>Muhammed Incekara</a:t>
             </a:r>
           </a:p>
           <a:p>
             <a:r>
-              <a:rPr lang="nl-NL" dirty="0" smtClean="0"/>
+              <a:rPr lang="nl-NL" dirty="0"/>
               <a:t>Mahmut Ozler</a:t>
             </a:r>
           </a:p>
           <a:p>
             <a:r>
-              <a:rPr lang="nl-NL" dirty="0" smtClean="0"/>
+              <a:rPr lang="nl-NL" dirty="0"/>
               <a:t>Satrya Sabeni</a:t>
             </a:r>
           </a:p>
@@ -6156,10 +6156,9 @@
           <a:p>
             <a:pPr algn="ctr"/>
             <a:r>
-              <a:rPr lang="nl-NL" sz="8000" dirty="0" smtClean="0"/>
+              <a:rPr lang="nl-NL" sz="8000" dirty="0"/>
               <a:t>Vragen</a:t>
             </a:r>
-            <a:endParaRPr lang="nl-NL" sz="8000" dirty="0"/>
           </a:p>
         </p:txBody>
       </p:sp>
@@ -6209,10 +6208,9 @@
           <a:lstStyle/>
           <a:p>
             <a:r>
-              <a:rPr lang="nl-NL" dirty="0" smtClean="0"/>
+              <a:rPr lang="nl-NL" dirty="0"/>
               <a:t>Inhoud</a:t>
             </a:r>
-            <a:endParaRPr lang="nl-NL" dirty="0"/>
           </a:p>
         </p:txBody>
       </p:sp>
@@ -6239,11 +6237,11 @@
           <a:lstStyle/>
           <a:p>
             <a:r>
-              <a:rPr lang="nl-NL" dirty="0" smtClean="0"/>
+              <a:rPr lang="nl-NL" dirty="0"/>
               <a:t>Wat is PocketRecipe</a:t>
             </a:r>
             <a:r>
-              <a:rPr lang="nl-NL" sz="1200" dirty="0" smtClean="0"/>
+              <a:rPr lang="nl-NL" sz="1200" dirty="0"/>
               <a:t>©</a:t>
             </a:r>
           </a:p>
@@ -6252,24 +6250,24 @@
           </a:p>
           <a:p>
             <a:r>
-              <a:rPr lang="nl-NL" dirty="0" smtClean="0"/>
+              <a:rPr lang="nl-NL" dirty="0"/>
               <a:t>Ontwikkeling PocketRecipe</a:t>
             </a:r>
             <a:r>
-              <a:rPr lang="nl-NL" sz="1200" dirty="0" smtClean="0"/>
+              <a:rPr lang="nl-NL" sz="1200" dirty="0"/>
               <a:t>©</a:t>
             </a:r>
           </a:p>
           <a:p>
-            <a:endParaRPr lang="nl-NL" dirty="0" smtClean="0"/>
-          </a:p>
-          <a:p>
-            <a:r>
-              <a:rPr lang="nl-NL" dirty="0" smtClean="0"/>
+            <a:endParaRPr lang="nl-NL" dirty="0"/>
+          </a:p>
+          <a:p>
+            <a:r>
+              <a:rPr lang="nl-NL" dirty="0"/>
               <a:t>Features PocketRecipe</a:t>
             </a:r>
             <a:r>
-              <a:rPr lang="nl-NL" sz="1200" dirty="0" smtClean="0"/>
+              <a:rPr lang="nl-NL" sz="1200" dirty="0"/>
               <a:t>©</a:t>
             </a:r>
           </a:p>
@@ -6278,7 +6276,7 @@
           </a:p>
           <a:p>
             <a:r>
-              <a:rPr lang="nl-NL" dirty="0" smtClean="0"/>
+              <a:rPr lang="nl-NL" dirty="0"/>
               <a:t>Demo</a:t>
             </a:r>
           </a:p>
@@ -6287,7 +6285,7 @@
           </a:p>
           <a:p>
             <a:r>
-              <a:rPr lang="nl-NL" dirty="0" smtClean="0"/>
+              <a:rPr lang="nl-NL" dirty="0"/>
               <a:t>Scrumproces</a:t>
             </a:r>
           </a:p>
@@ -6296,7 +6294,7 @@
           </a:p>
           <a:p>
             <a:r>
-              <a:rPr lang="nl-NL" dirty="0" smtClean="0"/>
+              <a:rPr lang="nl-NL" dirty="0"/>
               <a:t>Individuele bijdrage</a:t>
             </a:r>
           </a:p>
@@ -6305,7 +6303,7 @@
           </a:p>
           <a:p>
             <a:r>
-              <a:rPr lang="nl-NL" dirty="0" smtClean="0"/>
+              <a:rPr lang="nl-NL" dirty="0"/>
               <a:t>Code</a:t>
             </a:r>
           </a:p>
@@ -6314,16 +6312,15 @@
           </a:p>
           <a:p>
             <a:r>
-              <a:rPr lang="nl-NL" dirty="0" smtClean="0"/>
+              <a:rPr lang="nl-NL" dirty="0"/>
               <a:t>Vragen</a:t>
             </a:r>
+          </a:p>
+          <a:p>
+            <a:pPr marL="0" indent="0">
+              <a:buNone/>
+            </a:pPr>
             <a:endParaRPr lang="nl-NL" dirty="0"/>
-          </a:p>
-          <a:p>
-            <a:pPr marL="0" indent="0">
-              <a:buNone/>
-            </a:pPr>
-            <a:endParaRPr lang="nl-NL" dirty="0" smtClean="0"/>
           </a:p>
         </p:txBody>
       </p:sp>
@@ -6373,19 +6370,15 @@
           <a:lstStyle/>
           <a:p>
             <a:r>
-              <a:rPr lang="nl-NL" dirty="0" smtClean="0"/>
+              <a:rPr lang="nl-NL" dirty="0"/>
               <a:t>Wat is PocketRecipe</a:t>
             </a:r>
             <a:r>
-              <a:rPr lang="nl-NL" sz="1800" dirty="0" smtClean="0"/>
+              <a:rPr lang="nl-NL" sz="1800" dirty="0"/>
               <a:t>©</a:t>
             </a:r>
-            <a:r>
-              <a:rPr lang="nl-NL" dirty="0" smtClean="0"/>
-              <a:t/>
-            </a:r>
             <a:br>
-              <a:rPr lang="nl-NL" dirty="0" smtClean="0"/>
+              <a:rPr lang="nl-NL" dirty="0"/>
             </a:br>
             <a:endParaRPr lang="nl-NL" dirty="0"/>
           </a:p>
@@ -6407,7 +6400,7 @@
           <a:lstStyle/>
           <a:p>
             <a:r>
-              <a:rPr lang="nl-NL" dirty="0" smtClean="0"/>
+              <a:rPr lang="nl-NL" dirty="0"/>
               <a:t>Handige app om recepten op te zoeken</a:t>
             </a:r>
           </a:p>
@@ -6416,7 +6409,7 @@
           </a:p>
           <a:p>
             <a:r>
-              <a:rPr lang="nl-NL" dirty="0" smtClean="0"/>
+              <a:rPr lang="nl-NL" dirty="0"/>
               <a:t>Beschikbaar op IOS, Android en Windows</a:t>
             </a:r>
           </a:p>
@@ -6425,27 +6418,26 @@
           </a:p>
           <a:p>
             <a:r>
-              <a:rPr lang="nl-NL" dirty="0" smtClean="0"/>
+              <a:rPr lang="nl-NL" dirty="0"/>
               <a:t>Download PocketRecipe</a:t>
             </a:r>
             <a:r>
-              <a:rPr lang="nl-NL" sz="1100" dirty="0" smtClean="0"/>
+              <a:rPr lang="nl-NL" sz="1100" dirty="0"/>
               <a:t>©</a:t>
             </a:r>
             <a:r>
-              <a:rPr lang="nl-NL" dirty="0" smtClean="0"/>
+              <a:rPr lang="nl-NL" dirty="0"/>
               <a:t> op je mobiel en desktop!</a:t>
             </a:r>
           </a:p>
           <a:p>
-            <a:endParaRPr lang="nl-NL" dirty="0" smtClean="0"/>
-          </a:p>
-          <a:p>
-            <a:r>
-              <a:rPr lang="nl-NL" dirty="0" smtClean="0"/>
+            <a:endParaRPr lang="nl-NL" dirty="0"/>
+          </a:p>
+          <a:p>
+            <a:r>
+              <a:rPr lang="nl-NL" dirty="0"/>
               <a:t>Tijdelijk helemaal GRATIS!</a:t>
             </a:r>
-            <a:endParaRPr lang="nl-NL" dirty="0"/>
           </a:p>
           <a:p>
             <a:endParaRPr lang="nl-NL" dirty="0"/>
@@ -6498,11 +6490,11 @@
           <a:lstStyle/>
           <a:p>
             <a:r>
-              <a:rPr lang="nl-NL" dirty="0" smtClean="0"/>
+              <a:rPr lang="nl-NL" dirty="0"/>
               <a:t>Ontwikkeling PocketRecipe</a:t>
             </a:r>
             <a:r>
-              <a:rPr lang="nl-NL" sz="1800" dirty="0" smtClean="0"/>
+              <a:rPr lang="nl-NL" sz="1800" dirty="0"/>
               <a:t>©</a:t>
             </a:r>
             <a:endParaRPr lang="nl-NL" dirty="0"/>
@@ -6524,11 +6516,11 @@
           <a:bodyPr/>
           <a:lstStyle/>
           <a:p>
-            <a:endParaRPr lang="nl-NL" dirty="0" smtClean="0"/>
-          </a:p>
-          <a:p>
-            <a:r>
-              <a:rPr lang="nl-NL" dirty="0" smtClean="0"/>
+            <a:endParaRPr lang="nl-NL" dirty="0"/>
+          </a:p>
+          <a:p>
+            <a:r>
+              <a:rPr lang="nl-NL" dirty="0"/>
               <a:t>Ontwikkeld in Visual Studio met de Xamarin.forms framework &amp; WPF</a:t>
             </a:r>
           </a:p>
@@ -6537,7 +6529,7 @@
           </a:p>
           <a:p>
             <a:r>
-              <a:rPr lang="nl-NL" dirty="0" smtClean="0"/>
+              <a:rPr lang="nl-NL" dirty="0"/>
               <a:t>Geprogrammeerd in C#</a:t>
             </a:r>
           </a:p>
@@ -6546,7 +6538,7 @@
           </a:p>
           <a:p>
             <a:r>
-              <a:rPr lang="nl-NL" dirty="0" smtClean="0"/>
+              <a:rPr lang="nl-NL" dirty="0"/>
               <a:t>Online gedeelde database, die wordt gebruikt door alle platforms</a:t>
             </a:r>
           </a:p>
@@ -6557,7 +6549,7 @@
             <a:pPr marL="0" indent="0">
               <a:buNone/>
             </a:pPr>
-            <a:endParaRPr lang="nl-NL" dirty="0" smtClean="0"/>
+            <a:endParaRPr lang="nl-NL" dirty="0"/>
           </a:p>
           <a:p>
             <a:endParaRPr lang="nl-NL" dirty="0"/>
@@ -6613,11 +6605,11 @@
           <a:lstStyle/>
           <a:p>
             <a:r>
-              <a:rPr lang="nl-NL" dirty="0" smtClean="0"/>
+              <a:rPr lang="nl-NL" dirty="0"/>
               <a:t>Features PocketRecipe</a:t>
             </a:r>
             <a:r>
-              <a:rPr lang="nl-NL" sz="1800" dirty="0" smtClean="0"/>
+              <a:rPr lang="nl-NL" sz="1800" dirty="0"/>
               <a:t>©</a:t>
             </a:r>
             <a:endParaRPr lang="nl-NL" dirty="0"/>
@@ -6640,43 +6632,43 @@
           <a:lstStyle/>
           <a:p>
             <a:r>
-              <a:rPr lang="nl-NL" dirty="0" smtClean="0"/>
+              <a:rPr lang="nl-NL" dirty="0"/>
               <a:t>Bekijken van recepten</a:t>
             </a:r>
           </a:p>
           <a:p>
-            <a:endParaRPr lang="nl-NL" dirty="0" smtClean="0"/>
-          </a:p>
-          <a:p>
-            <a:r>
-              <a:rPr lang="nl-NL" dirty="0" smtClean="0"/>
+            <a:endParaRPr lang="nl-NL" dirty="0"/>
+          </a:p>
+          <a:p>
+            <a:r>
+              <a:rPr lang="nl-NL" dirty="0"/>
               <a:t>Filteren op recepten per categorie</a:t>
             </a:r>
           </a:p>
           <a:p>
-            <a:endParaRPr lang="nl-NL" dirty="0" smtClean="0"/>
-          </a:p>
-          <a:p>
-            <a:r>
-              <a:rPr lang="nl-NL" dirty="0" smtClean="0"/>
+            <a:endParaRPr lang="nl-NL" dirty="0"/>
+          </a:p>
+          <a:p>
+            <a:r>
+              <a:rPr lang="nl-NL" dirty="0"/>
               <a:t>Beoordelen van recepten (Ingelogd)</a:t>
             </a:r>
           </a:p>
           <a:p>
-            <a:endParaRPr lang="nl-NL" dirty="0" smtClean="0"/>
-          </a:p>
-          <a:p>
-            <a:r>
-              <a:rPr lang="nl-NL" dirty="0" smtClean="0"/>
+            <a:endParaRPr lang="nl-NL" dirty="0"/>
+          </a:p>
+          <a:p>
+            <a:r>
+              <a:rPr lang="nl-NL" dirty="0"/>
               <a:t>Recepten bookmarken (Ingelogd)</a:t>
             </a:r>
           </a:p>
           <a:p>
-            <a:endParaRPr lang="nl-NL" dirty="0" smtClean="0"/>
-          </a:p>
-          <a:p>
-            <a:r>
-              <a:rPr lang="nl-NL" dirty="0" smtClean="0"/>
+            <a:endParaRPr lang="nl-NL" dirty="0"/>
+          </a:p>
+          <a:p>
+            <a:r>
+              <a:rPr lang="nl-NL" dirty="0"/>
               <a:t>Een recept opzoeken op basis van naam of ingrediënten</a:t>
             </a:r>
           </a:p>
@@ -6731,31 +6723,39 @@
           <a:lstStyle/>
           <a:p>
             <a:r>
-              <a:rPr lang="nl-NL" dirty="0" smtClean="0"/>
+              <a:rPr lang="nl-NL" dirty="0"/>
               <a:t>Demo</a:t>
             </a:r>
+          </a:p>
+        </p:txBody>
+      </p:sp>
+      <p:sp>
+        <p:nvSpPr>
+          <p:cNvPr id="3" name="Content Placeholder 2"/>
+          <p:cNvSpPr>
+            <a:spLocks noGrp="1"/>
+          </p:cNvSpPr>
+          <p:nvPr>
+            <p:ph idx="1"/>
+          </p:nvPr>
+        </p:nvSpPr>
+        <p:spPr/>
+        <p:txBody>
+          <a:bodyPr/>
+          <a:lstStyle/>
+          <a:p>
+            <a:r>
+              <a:rPr lang="nl-NL" dirty="0"/>
+              <a:t>IOS</a:t>
+            </a:r>
+          </a:p>
+          <a:p>
             <a:endParaRPr lang="nl-NL" dirty="0"/>
           </a:p>
-        </p:txBody>
-      </p:sp>
-      <p:sp>
-        <p:nvSpPr>
-          <p:cNvPr id="3" name="Content Placeholder 2"/>
-          <p:cNvSpPr>
-            <a:spLocks noGrp="1"/>
-          </p:cNvSpPr>
-          <p:nvPr>
-            <p:ph idx="1"/>
-          </p:nvPr>
-        </p:nvSpPr>
-        <p:spPr/>
-        <p:txBody>
-          <a:bodyPr/>
-          <a:lstStyle/>
-          <a:p>
-            <a:r>
-              <a:rPr lang="nl-NL" dirty="0" smtClean="0"/>
-              <a:t>IOS</a:t>
+          <a:p>
+            <a:r>
+              <a:rPr lang="nl-NL" dirty="0"/>
+              <a:t>Android</a:t>
             </a:r>
           </a:p>
           <a:p>
@@ -6763,19 +6763,9 @@
           </a:p>
           <a:p>
             <a:r>
-              <a:rPr lang="nl-NL" dirty="0" smtClean="0"/>
-              <a:t>Android</a:t>
-            </a:r>
-          </a:p>
-          <a:p>
-            <a:endParaRPr lang="nl-NL" dirty="0"/>
-          </a:p>
-          <a:p>
-            <a:r>
-              <a:rPr lang="nl-NL" dirty="0" smtClean="0"/>
+              <a:rPr lang="nl-NL" dirty="0"/>
               <a:t>Windows</a:t>
             </a:r>
-            <a:endParaRPr lang="nl-NL" dirty="0"/>
           </a:p>
         </p:txBody>
       </p:sp>
@@ -6789,13 +6779,6 @@
   <p:clrMapOvr>
     <a:masterClrMapping/>
   </p:clrMapOvr>
-  <p:timing>
-    <p:tnLst>
-      <p:par>
-        <p:cTn id="1" dur="indefinite" restart="never" nodeType="tmRoot"/>
-      </p:par>
-    </p:tnLst>
-  </p:timing>
 </p:sld>
 </file>
 
@@ -6832,59 +6815,52 @@
           <a:lstStyle/>
           <a:p>
             <a:r>
-              <a:rPr lang="nl-NL" dirty="0" smtClean="0"/>
+              <a:rPr lang="nl-NL" dirty="0"/>
               <a:t>Scrumproces</a:t>
             </a:r>
+          </a:p>
+        </p:txBody>
+      </p:sp>
+      <p:sp>
+        <p:nvSpPr>
+          <p:cNvPr id="3" name="Content Placeholder 2"/>
+          <p:cNvSpPr>
+            <a:spLocks noGrp="1"/>
+          </p:cNvSpPr>
+          <p:nvPr>
+            <p:ph idx="1"/>
+          </p:nvPr>
+        </p:nvSpPr>
+        <p:spPr/>
+        <p:txBody>
+          <a:bodyPr/>
+          <a:lstStyle/>
+          <a:p>
+            <a:pPr marL="0" indent="0">
+              <a:buNone/>
+            </a:pPr>
             <a:endParaRPr lang="nl-NL" dirty="0"/>
-          </a:p>
-        </p:txBody>
-      </p:sp>
-      <p:sp>
-        <p:nvSpPr>
-          <p:cNvPr id="3" name="Content Placeholder 2"/>
-          <p:cNvSpPr>
-            <a:spLocks noGrp="1"/>
-          </p:cNvSpPr>
-          <p:nvPr>
-            <p:ph idx="1"/>
-          </p:nvPr>
-        </p:nvSpPr>
-        <p:spPr/>
-        <p:txBody>
-          <a:bodyPr/>
-          <a:lstStyle/>
-          <a:p>
-            <a:pPr marL="0" indent="0">
-              <a:buNone/>
-            </a:pPr>
-            <a:endParaRPr lang="nl-NL" dirty="0" smtClean="0"/>
           </a:p>
           <a:p>
             <a:r>
               <a:rPr lang="nl-NL" dirty="0">
                 <a:hlinkClick r:id="rId2"/>
               </a:rPr>
-              <a:t>Product </a:t>
-            </a:r>
-            <a:r>
-              <a:rPr lang="nl-NL" dirty="0" smtClean="0">
-                <a:hlinkClick r:id="rId2"/>
-              </a:rPr>
-              <a:t>backlog</a:t>
-            </a:r>
-            <a:endParaRPr lang="nl-NL" dirty="0" smtClean="0"/>
-          </a:p>
-          <a:p>
+              <a:t>Product backlog</a:t>
+            </a:r>
             <a:endParaRPr lang="nl-NL" dirty="0"/>
           </a:p>
           <a:p>
-            <a:r>
-              <a:rPr lang="nl-NL" dirty="0" smtClean="0">
+            <a:endParaRPr lang="nl-NL" dirty="0"/>
+          </a:p>
+          <a:p>
+            <a:r>
+              <a:rPr lang="nl-NL" dirty="0">
                 <a:hlinkClick r:id="rId3"/>
               </a:rPr>
               <a:t>Sprint 1</a:t>
             </a:r>
-            <a:endParaRPr lang="nl-NL" dirty="0" smtClean="0"/>
+            <a:endParaRPr lang="nl-NL" dirty="0"/>
           </a:p>
           <a:p>
             <a:pPr marL="0" indent="0">
@@ -6894,24 +6870,24 @@
           </a:p>
           <a:p>
             <a:r>
-              <a:rPr lang="nl-NL" dirty="0" smtClean="0">
+              <a:rPr lang="nl-NL" dirty="0">
                 <a:hlinkClick r:id="rId4"/>
               </a:rPr>
               <a:t>Sprint 2</a:t>
             </a:r>
-            <a:endParaRPr lang="nl-NL" dirty="0" smtClean="0"/>
-          </a:p>
-          <a:p>
             <a:endParaRPr lang="nl-NL" dirty="0"/>
           </a:p>
           <a:p>
-            <a:r>
-              <a:rPr lang="nl-NL" dirty="0" smtClean="0">
+            <a:endParaRPr lang="nl-NL" dirty="0"/>
+          </a:p>
+          <a:p>
+            <a:r>
+              <a:rPr lang="nl-NL" dirty="0">
                 <a:hlinkClick r:id="rId5"/>
               </a:rPr>
               <a:t>Sprint 3</a:t>
             </a:r>
-            <a:endParaRPr lang="nl-NL" dirty="0" smtClean="0"/>
+            <a:endParaRPr lang="nl-NL" dirty="0"/>
           </a:p>
         </p:txBody>
       </p:sp>
@@ -6925,13 +6901,6 @@
   <p:clrMapOvr>
     <a:masterClrMapping/>
   </p:clrMapOvr>
-  <p:timing>
-    <p:tnLst>
-      <p:par>
-        <p:cTn id="1" dur="indefinite" restart="never" nodeType="tmRoot"/>
-      </p:par>
-    </p:tnLst>
-  </p:timing>
 </p:sld>
 </file>
 
@@ -6968,10 +6937,9 @@
           <a:lstStyle/>
           <a:p>
             <a:r>
-              <a:rPr lang="nl-NL" dirty="0" smtClean="0"/>
+              <a:rPr lang="nl-NL" dirty="0"/>
               <a:t>Individuele bijdrage</a:t>
             </a:r>
-            <a:endParaRPr lang="nl-NL" dirty="0"/>
           </a:p>
         </p:txBody>
       </p:sp>
@@ -6993,26 +6961,25 @@
           <a:lstStyle/>
           <a:p>
             <a:r>
-              <a:rPr lang="nl-NL" dirty="0" smtClean="0"/>
-              <a:t>Osman</a:t>
-            </a:r>
-            <a:r>
-              <a:rPr lang="nl-NL" dirty="0" smtClean="0"/>
-              <a:t>: Database aanmaken en API ontwerpen. </a:t>
-            </a:r>
-            <a:r>
-              <a:rPr lang="nl-NL" dirty="0" smtClean="0"/>
-              <a:t>Zoekfunctie en beoordelingen implementeren in de app.</a:t>
-            </a:r>
-            <a:endParaRPr lang="nl-NL" dirty="0" smtClean="0"/>
+              <a:rPr lang="nl-NL" dirty="0"/>
+              <a:t>Osman: Database aanmaken en API ontwerpen. Zoekfunctie en beoordelingen implementeren in de app.</a:t>
+            </a:r>
           </a:p>
           <a:p>
             <a:endParaRPr lang="nl-NL" dirty="0"/>
           </a:p>
           <a:p>
             <a:r>
-              <a:rPr lang="nl-NL" dirty="0" smtClean="0"/>
-              <a:t>Endy:</a:t>
+              <a:rPr lang="nl-NL" dirty="0"/>
+              <a:t>Endy: Interface, </a:t>
+            </a:r>
+            <a:r>
+              <a:rPr lang="nl-NL" dirty="0" err="1"/>
+              <a:t>Algorithm</a:t>
+            </a:r>
+            <a:r>
+              <a:rPr lang="nl-NL" dirty="0"/>
+              <a:t>, WPF</a:t>
             </a:r>
           </a:p>
           <a:p>
@@ -7020,7 +6987,7 @@
           </a:p>
           <a:p>
             <a:r>
-              <a:rPr lang="nl-NL" dirty="0" smtClean="0"/>
+              <a:rPr lang="nl-NL" dirty="0"/>
               <a:t>Muhammed:  Scrummaster, Database, Inloggen</a:t>
             </a:r>
           </a:p>
@@ -7029,7 +6996,7 @@
           </a:p>
           <a:p>
             <a:r>
-              <a:rPr lang="nl-NL" dirty="0" smtClean="0"/>
+              <a:rPr lang="nl-NL" dirty="0"/>
               <a:t>Mahmut:</a:t>
             </a:r>
           </a:p>
@@ -7038,11 +7005,11 @@
           </a:p>
           <a:p>
             <a:r>
-              <a:rPr lang="nl-NL" dirty="0" smtClean="0"/>
+              <a:rPr lang="nl-NL" dirty="0"/>
               <a:t>Satrya: Data van Database in de App verwerken, Recepten tonen, </a:t>
             </a:r>
             <a:r>
-              <a:rPr lang="nl-NL" dirty="0" err="1" smtClean="0"/>
+              <a:rPr lang="nl-NL" dirty="0" err="1"/>
               <a:t>Bookmarken</a:t>
             </a:r>
             <a:endParaRPr lang="nl-NL" dirty="0"/>
@@ -7095,10 +7062,9 @@
           <a:lstStyle/>
           <a:p>
             <a:r>
-              <a:rPr lang="nl-NL" dirty="0" smtClean="0"/>
+              <a:rPr lang="nl-NL" dirty="0"/>
               <a:t>Code</a:t>
             </a:r>
-            <a:endParaRPr lang="nl-NL" dirty="0"/>
           </a:p>
         </p:txBody>
       </p:sp>

--- a/PocketRecipe©_V2.pptx
+++ b/PocketRecipe©_V2.pptx
@@ -311,7 +311,7 @@
           <a:p>
             <a:fld id="{4AAD347D-5ACD-4C99-B74B-A9C85AD731AF}" type="datetimeFigureOut">
               <a:rPr lang="en-US" dirty="0"/>
-              <a:t>05-Jul-17</a:t>
+              <a:t>7/5/2017</a:t>
             </a:fld>
             <a:endParaRPr lang="en-US" dirty="0"/>
           </a:p>
@@ -353,7 +353,7 @@
           <a:p>
             <a:fld id="{D57F1E4F-1CFF-5643-939E-02111984F565}" type="slidenum">
               <a:rPr lang="en-US" dirty="0"/>
-              <a:t>‹#›</a:t>
+              <a:t>‹nr.›</a:t>
             </a:fld>
             <a:endParaRPr lang="en-US" dirty="0"/>
           </a:p>
@@ -581,7 +581,7 @@
           <a:p>
             <a:fld id="{4509A250-FF31-4206-8172-F9D3106AACB1}" type="datetimeFigureOut">
               <a:rPr lang="en-US" dirty="0"/>
-              <a:t>05-Jul-17</a:t>
+              <a:t>7/5/2017</a:t>
             </a:fld>
             <a:endParaRPr lang="en-US" dirty="0"/>
           </a:p>
@@ -623,7 +623,7 @@
           <a:p>
             <a:fld id="{D57F1E4F-1CFF-5643-939E-02111984F565}" type="slidenum">
               <a:rPr lang="en-US" dirty="0"/>
-              <a:t>‹#›</a:t>
+              <a:t>‹nr.›</a:t>
             </a:fld>
             <a:endParaRPr lang="en-US" dirty="0"/>
           </a:p>
@@ -770,7 +770,7 @@
           <a:p>
             <a:fld id="{4509A250-FF31-4206-8172-F9D3106AACB1}" type="datetimeFigureOut">
               <a:rPr lang="en-US" dirty="0"/>
-              <a:t>05-Jul-17</a:t>
+              <a:t>7/5/2017</a:t>
             </a:fld>
             <a:endParaRPr lang="en-US" dirty="0"/>
           </a:p>
@@ -812,7 +812,7 @@
           <a:p>
             <a:fld id="{D57F1E4F-1CFF-5643-939E-02111984F565}" type="slidenum">
               <a:rPr lang="en-US" dirty="0"/>
-              <a:t>‹#›</a:t>
+              <a:t>‹nr.›</a:t>
             </a:fld>
             <a:endParaRPr lang="en-US" dirty="0"/>
           </a:p>
@@ -1038,7 +1038,7 @@
           <a:p>
             <a:fld id="{4509A250-FF31-4206-8172-F9D3106AACB1}" type="datetimeFigureOut">
               <a:rPr lang="en-US" dirty="0"/>
-              <a:t>05-Jul-17</a:t>
+              <a:t>7/5/2017</a:t>
             </a:fld>
             <a:endParaRPr lang="en-US" dirty="0"/>
           </a:p>
@@ -1080,7 +1080,7 @@
           <a:p>
             <a:fld id="{D57F1E4F-1CFF-5643-939E-02111984F565}" type="slidenum">
               <a:rPr lang="en-US" dirty="0"/>
-              <a:t>‹#›</a:t>
+              <a:t>‹nr.›</a:t>
             </a:fld>
             <a:endParaRPr lang="en-US" dirty="0"/>
           </a:p>
@@ -1374,7 +1374,7 @@
           <a:p>
             <a:fld id="{4509A250-FF31-4206-8172-F9D3106AACB1}" type="datetimeFigureOut">
               <a:rPr lang="en-US" dirty="0"/>
-              <a:t>05-Jul-17</a:t>
+              <a:t>7/5/2017</a:t>
             </a:fld>
             <a:endParaRPr lang="en-US" dirty="0"/>
           </a:p>
@@ -1416,7 +1416,7 @@
           <a:p>
             <a:fld id="{D57F1E4F-1CFF-5643-939E-02111984F565}" type="slidenum">
               <a:rPr lang="en-US" dirty="0"/>
-              <a:t>‹#›</a:t>
+              <a:t>‹nr.›</a:t>
             </a:fld>
             <a:endParaRPr lang="en-US" dirty="0"/>
           </a:p>
@@ -1992,7 +1992,7 @@
           <a:p>
             <a:fld id="{4509A250-FF31-4206-8172-F9D3106AACB1}" type="datetimeFigureOut">
               <a:rPr lang="en-US" dirty="0"/>
-              <a:t>05-Jul-17</a:t>
+              <a:t>7/5/2017</a:t>
             </a:fld>
             <a:endParaRPr lang="en-US" dirty="0"/>
           </a:p>
@@ -2034,7 +2034,7 @@
           <a:p>
             <a:fld id="{D57F1E4F-1CFF-5643-939E-02111984F565}" type="slidenum">
               <a:rPr lang="en-US" dirty="0"/>
-              <a:t>‹#›</a:t>
+              <a:t>‹nr.›</a:t>
             </a:fld>
             <a:endParaRPr lang="en-US" dirty="0"/>
           </a:p>
@@ -2847,7 +2847,7 @@
           <a:p>
             <a:fld id="{4509A250-FF31-4206-8172-F9D3106AACB1}" type="datetimeFigureOut">
               <a:rPr lang="en-US" dirty="0"/>
-              <a:t>05-Jul-17</a:t>
+              <a:t>7/5/2017</a:t>
             </a:fld>
             <a:endParaRPr lang="en-US" dirty="0"/>
           </a:p>
@@ -2889,7 +2889,7 @@
           <a:p>
             <a:fld id="{D57F1E4F-1CFF-5643-939E-02111984F565}" type="slidenum">
               <a:rPr lang="en-US" dirty="0"/>
-              <a:t>‹#›</a:t>
+              <a:t>‹nr.›</a:t>
             </a:fld>
             <a:endParaRPr lang="en-US" dirty="0"/>
           </a:p>
@@ -3012,7 +3012,7 @@
           <a:p>
             <a:fld id="{4509A250-FF31-4206-8172-F9D3106AACB1}" type="datetimeFigureOut">
               <a:rPr lang="en-US" dirty="0"/>
-              <a:t>05-Jul-17</a:t>
+              <a:t>7/5/2017</a:t>
             </a:fld>
             <a:endParaRPr lang="en-US" dirty="0"/>
           </a:p>
@@ -3054,7 +3054,7 @@
           <a:p>
             <a:fld id="{D57F1E4F-1CFF-5643-939E-02111984F565}" type="slidenum">
               <a:rPr lang="en-US" dirty="0"/>
-              <a:t>‹#›</a:t>
+              <a:t>‹nr.›</a:t>
             </a:fld>
             <a:endParaRPr lang="en-US" dirty="0"/>
           </a:p>
@@ -3187,7 +3187,7 @@
           <a:p>
             <a:fld id="{4509A250-FF31-4206-8172-F9D3106AACB1}" type="datetimeFigureOut">
               <a:rPr lang="en-US" dirty="0"/>
-              <a:t>05-Jul-17</a:t>
+              <a:t>7/5/2017</a:t>
             </a:fld>
             <a:endParaRPr lang="en-US" dirty="0"/>
           </a:p>
@@ -3229,7 +3229,7 @@
           <a:p>
             <a:fld id="{D57F1E4F-1CFF-5643-939E-02111984F565}" type="slidenum">
               <a:rPr lang="en-US" dirty="0"/>
-              <a:t>‹#›</a:t>
+              <a:t>‹nr.›</a:t>
             </a:fld>
             <a:endParaRPr lang="en-US" dirty="0"/>
           </a:p>
@@ -3352,7 +3352,7 @@
           <a:p>
             <a:fld id="{4509A250-FF31-4206-8172-F9D3106AACB1}" type="datetimeFigureOut">
               <a:rPr lang="en-US" dirty="0"/>
-              <a:t>05-Jul-17</a:t>
+              <a:t>7/5/2017</a:t>
             </a:fld>
             <a:endParaRPr lang="en-US" dirty="0"/>
           </a:p>
@@ -3394,7 +3394,7 @@
           <a:p>
             <a:fld id="{D57F1E4F-1CFF-5643-939E-02111984F565}" type="slidenum">
               <a:rPr lang="en-US" dirty="0"/>
-              <a:t>‹#›</a:t>
+              <a:t>‹nr.›</a:t>
             </a:fld>
             <a:endParaRPr lang="en-US" dirty="0"/>
           </a:p>
@@ -3594,7 +3594,7 @@
           <a:p>
             <a:fld id="{9796027F-7875-4030-9381-8BD8C4F21935}" type="datetimeFigureOut">
               <a:rPr lang="en-US" dirty="0"/>
-              <a:t>05-Jul-17</a:t>
+              <a:t>7/5/2017</a:t>
             </a:fld>
             <a:endParaRPr lang="en-US" dirty="0"/>
           </a:p>
@@ -3636,7 +3636,7 @@
           <a:p>
             <a:fld id="{D57F1E4F-1CFF-5643-939E-02111984F565}" type="slidenum">
               <a:rPr lang="en-US" dirty="0"/>
-              <a:t>‹#›</a:t>
+              <a:t>‹nr.›</a:t>
             </a:fld>
             <a:endParaRPr lang="en-US" dirty="0"/>
           </a:p>
@@ -3881,7 +3881,7 @@
           <a:p>
             <a:fld id="{9796027F-7875-4030-9381-8BD8C4F21935}" type="datetimeFigureOut">
               <a:rPr lang="en-US" dirty="0"/>
-              <a:t>05-Jul-17</a:t>
+              <a:t>7/5/2017</a:t>
             </a:fld>
             <a:endParaRPr lang="en-US" dirty="0"/>
           </a:p>
@@ -3923,7 +3923,7 @@
           <a:p>
             <a:fld id="{D57F1E4F-1CFF-5643-939E-02111984F565}" type="slidenum">
               <a:rPr lang="en-US" dirty="0"/>
-              <a:t>‹#›</a:t>
+              <a:t>‹nr.›</a:t>
             </a:fld>
             <a:endParaRPr lang="en-US" dirty="0"/>
           </a:p>
@@ -4320,7 +4320,7 @@
           <a:p>
             <a:fld id="{9796027F-7875-4030-9381-8BD8C4F21935}" type="datetimeFigureOut">
               <a:rPr lang="en-US" dirty="0"/>
-              <a:t>05-Jul-17</a:t>
+              <a:t>7/5/2017</a:t>
             </a:fld>
             <a:endParaRPr lang="en-US" dirty="0"/>
           </a:p>
@@ -4362,7 +4362,7 @@
           <a:p>
             <a:fld id="{D57F1E4F-1CFF-5643-939E-02111984F565}" type="slidenum">
               <a:rPr lang="en-US" dirty="0"/>
-              <a:t>‹#›</a:t>
+              <a:t>‹nr.›</a:t>
             </a:fld>
             <a:endParaRPr lang="en-US" dirty="0"/>
           </a:p>
@@ -4433,7 +4433,7 @@
           <a:p>
             <a:fld id="{4509A250-FF31-4206-8172-F9D3106AACB1}" type="datetimeFigureOut">
               <a:rPr lang="en-US" dirty="0"/>
-              <a:t>05-Jul-17</a:t>
+              <a:t>7/5/2017</a:t>
             </a:fld>
             <a:endParaRPr lang="en-US" dirty="0"/>
           </a:p>
@@ -4475,7 +4475,7 @@
           <a:p>
             <a:fld id="{D57F1E4F-1CFF-5643-939E-02111984F565}" type="slidenum">
               <a:rPr lang="en-US" dirty="0"/>
-              <a:t>‹#›</a:t>
+              <a:t>‹nr.›</a:t>
             </a:fld>
             <a:endParaRPr lang="en-US" dirty="0"/>
           </a:p>
@@ -4523,7 +4523,7 @@
           <a:p>
             <a:fld id="{4509A250-FF31-4206-8172-F9D3106AACB1}" type="datetimeFigureOut">
               <a:rPr lang="en-US" dirty="0"/>
-              <a:t>05-Jul-17</a:t>
+              <a:t>7/5/2017</a:t>
             </a:fld>
             <a:endParaRPr lang="en-US" dirty="0"/>
           </a:p>
@@ -4565,7 +4565,7 @@
           <a:p>
             <a:fld id="{D57F1E4F-1CFF-5643-939E-02111984F565}" type="slidenum">
               <a:rPr lang="en-US" dirty="0"/>
-              <a:t>‹#›</a:t>
+              <a:t>‹nr.›</a:t>
             </a:fld>
             <a:endParaRPr lang="en-US" dirty="0"/>
           </a:p>
@@ -4797,7 +4797,7 @@
           <a:p>
             <a:fld id="{4509A250-FF31-4206-8172-F9D3106AACB1}" type="datetimeFigureOut">
               <a:rPr lang="en-US" dirty="0"/>
-              <a:t>05-Jul-17</a:t>
+              <a:t>7/5/2017</a:t>
             </a:fld>
             <a:endParaRPr lang="en-US" dirty="0"/>
           </a:p>
@@ -4839,7 +4839,7 @@
           <a:p>
             <a:fld id="{D57F1E4F-1CFF-5643-939E-02111984F565}" type="slidenum">
               <a:rPr lang="en-US" dirty="0"/>
-              <a:t>‹#›</a:t>
+              <a:t>‹nr.›</a:t>
             </a:fld>
             <a:endParaRPr lang="en-US" dirty="0"/>
           </a:p>
@@ -5067,7 +5067,7 @@
           <a:p>
             <a:fld id="{4509A250-FF31-4206-8172-F9D3106AACB1}" type="datetimeFigureOut">
               <a:rPr lang="en-US" dirty="0"/>
-              <a:t>05-Jul-17</a:t>
+              <a:t>7/5/2017</a:t>
             </a:fld>
             <a:endParaRPr lang="en-US" dirty="0"/>
           </a:p>
@@ -5109,7 +5109,7 @@
           <a:p>
             <a:fld id="{D57F1E4F-1CFF-5643-939E-02111984F565}" type="slidenum">
               <a:rPr lang="en-US" dirty="0"/>
-              <a:t>‹#›</a:t>
+              <a:t>‹nr.›</a:t>
             </a:fld>
             <a:endParaRPr lang="en-US" dirty="0"/>
           </a:p>
@@ -5491,7 +5491,7 @@
           <a:p>
             <a:fld id="{4AAD347D-5ACD-4C99-B74B-A9C85AD731AF}" type="datetimeFigureOut">
               <a:rPr lang="en-US" dirty="0"/>
-              <a:t>05-Jul-17</a:t>
+              <a:t>7/5/2017</a:t>
             </a:fld>
             <a:endParaRPr lang="en-US" dirty="0"/>
           </a:p>
@@ -5570,7 +5570,7 @@
           <a:p>
             <a:fld id="{D57F1E4F-1CFF-5643-939E-02111984F565}" type="slidenum">
               <a:rPr lang="en-US" dirty="0"/>
-              <a:t>‹#›</a:t>
+              <a:t>‹nr.›</a:t>
             </a:fld>
             <a:endParaRPr lang="en-US" dirty="0"/>
           </a:p>
@@ -6660,7 +6660,15 @@
           <a:p>
             <a:r>
               <a:rPr lang="nl-NL" dirty="0"/>
-              <a:t>Recepten bookmarken (Ingelogd)</a:t>
+              <a:t>Recepten </a:t>
+            </a:r>
+            <a:r>
+              <a:rPr lang="nl-NL" dirty="0" err="1"/>
+              <a:t>bookmarken</a:t>
+            </a:r>
+            <a:r>
+              <a:rPr lang="nl-NL" dirty="0"/>
+              <a:t> (Ingelogd)</a:t>
             </a:r>
           </a:p>
           <a:p>
@@ -6971,15 +6979,7 @@
           <a:p>
             <a:r>
               <a:rPr lang="nl-NL" dirty="0"/>
-              <a:t>Endy: Interface, </a:t>
-            </a:r>
-            <a:r>
-              <a:rPr lang="nl-NL" dirty="0" err="1"/>
-              <a:t>Algorithm</a:t>
-            </a:r>
-            <a:r>
-              <a:rPr lang="nl-NL" dirty="0"/>
-              <a:t>, WPF</a:t>
+              <a:t>Endy: Interface, Algorithm, WPF</a:t>
             </a:r>
           </a:p>
           <a:p>
@@ -6997,7 +6997,7 @@
           <a:p>
             <a:r>
               <a:rPr lang="nl-NL" dirty="0"/>
-              <a:t>Mahmut:</a:t>
+              <a:t>Mahmut: Database connectie, WPF vertalen</a:t>
             </a:r>
           </a:p>
           <a:p>
@@ -7006,13 +7006,8 @@
           <a:p>
             <a:r>
               <a:rPr lang="nl-NL" dirty="0"/>
-              <a:t>Satrya: Data van Database in de App verwerken, Recepten tonen, </a:t>
-            </a:r>
-            <a:r>
-              <a:rPr lang="nl-NL" dirty="0" err="1"/>
-              <a:t>Bookmarken</a:t>
-            </a:r>
-            <a:endParaRPr lang="nl-NL" dirty="0"/>
+              <a:t>Satrya: Data van Database in de App verwerken, Recepten tonen, Bookmarken</a:t>
+            </a:r>
           </a:p>
         </p:txBody>
       </p:sp>
